--- a/SnapAndCook_Presentation.pptx
+++ b/SnapAndCook_Presentation.pptx
@@ -5,18 +5,15 @@
     <p:sldMasterId id="2147483648" r:id="rId1"/>
   </p:sldMasterIdLst>
   <p:sldIdLst>
-    <p:sldId id="256" r:id="rId2"/>
-    <p:sldId id="258" r:id="rId3"/>
-    <p:sldId id="257" r:id="rId4"/>
-    <p:sldId id="259" r:id="rId5"/>
+    <p:sldId id="268" r:id="rId2"/>
+    <p:sldId id="269" r:id="rId3"/>
+    <p:sldId id="270" r:id="rId4"/>
+    <p:sldId id="271" r:id="rId5"/>
     <p:sldId id="260" r:id="rId6"/>
-    <p:sldId id="261" r:id="rId7"/>
+    <p:sldId id="272" r:id="rId7"/>
     <p:sldId id="262" r:id="rId8"/>
     <p:sldId id="263" r:id="rId9"/>
-    <p:sldId id="264" r:id="rId10"/>
-    <p:sldId id="265" r:id="rId11"/>
-    <p:sldId id="266" r:id="rId12"/>
-    <p:sldId id="267" r:id="rId13"/>
+    <p:sldId id="267" r:id="rId10"/>
   </p:sldIdLst>
   <p:sldSz cx="12188825" cy="6858000"/>
   <p:notesSz cx="6858000" cy="9144000"/>
@@ -313,7 +310,7 @@
           <a:p>
             <a:fld id="{5BCAD085-E8A6-8845-BD4E-CB4CCA059FC4}" type="datetimeFigureOut">
               <a:rPr lang="en-US" smtClean="0"/>
-              <a:t>2/22/2026</a:t>
+              <a:t>2/23/2026</a:t>
             </a:fld>
             <a:endParaRPr lang="en-US"/>
           </a:p>
@@ -481,7 +478,7 @@
           <a:p>
             <a:fld id="{5BCAD085-E8A6-8845-BD4E-CB4CCA059FC4}" type="datetimeFigureOut">
               <a:rPr lang="en-US" smtClean="0"/>
-              <a:t>2/22/2026</a:t>
+              <a:t>2/23/2026</a:t>
             </a:fld>
             <a:endParaRPr lang="en-US"/>
           </a:p>
@@ -659,7 +656,7 @@
           <a:p>
             <a:fld id="{5BCAD085-E8A6-8845-BD4E-CB4CCA059FC4}" type="datetimeFigureOut">
               <a:rPr lang="en-US" smtClean="0"/>
-              <a:t>2/22/2026</a:t>
+              <a:t>2/23/2026</a:t>
             </a:fld>
             <a:endParaRPr lang="en-US"/>
           </a:p>
@@ -827,7 +824,7 @@
           <a:p>
             <a:fld id="{5BCAD085-E8A6-8845-BD4E-CB4CCA059FC4}" type="datetimeFigureOut">
               <a:rPr lang="en-US" smtClean="0"/>
-              <a:t>2/22/2026</a:t>
+              <a:t>2/23/2026</a:t>
             </a:fld>
             <a:endParaRPr lang="en-US"/>
           </a:p>
@@ -1072,7 +1069,7 @@
           <a:p>
             <a:fld id="{5BCAD085-E8A6-8845-BD4E-CB4CCA059FC4}" type="datetimeFigureOut">
               <a:rPr lang="en-US" smtClean="0"/>
-              <a:t>2/22/2026</a:t>
+              <a:t>2/23/2026</a:t>
             </a:fld>
             <a:endParaRPr lang="en-US"/>
           </a:p>
@@ -1357,7 +1354,7 @@
           <a:p>
             <a:fld id="{5BCAD085-E8A6-8845-BD4E-CB4CCA059FC4}" type="datetimeFigureOut">
               <a:rPr lang="en-US" smtClean="0"/>
-              <a:t>2/22/2026</a:t>
+              <a:t>2/23/2026</a:t>
             </a:fld>
             <a:endParaRPr lang="en-US"/>
           </a:p>
@@ -1776,7 +1773,7 @@
           <a:p>
             <a:fld id="{5BCAD085-E8A6-8845-BD4E-CB4CCA059FC4}" type="datetimeFigureOut">
               <a:rPr lang="en-US" smtClean="0"/>
-              <a:t>2/22/2026</a:t>
+              <a:t>2/23/2026</a:t>
             </a:fld>
             <a:endParaRPr lang="en-US"/>
           </a:p>
@@ -1893,7 +1890,7 @@
           <a:p>
             <a:fld id="{5BCAD085-E8A6-8845-BD4E-CB4CCA059FC4}" type="datetimeFigureOut">
               <a:rPr lang="en-US" smtClean="0"/>
-              <a:t>2/22/2026</a:t>
+              <a:t>2/23/2026</a:t>
             </a:fld>
             <a:endParaRPr lang="en-US"/>
           </a:p>
@@ -1988,7 +1985,7 @@
           <a:p>
             <a:fld id="{5BCAD085-E8A6-8845-BD4E-CB4CCA059FC4}" type="datetimeFigureOut">
               <a:rPr lang="en-US" smtClean="0"/>
-              <a:t>2/22/2026</a:t>
+              <a:t>2/23/2026</a:t>
             </a:fld>
             <a:endParaRPr lang="en-US"/>
           </a:p>
@@ -2263,7 +2260,7 @@
           <a:p>
             <a:fld id="{5BCAD085-E8A6-8845-BD4E-CB4CCA059FC4}" type="datetimeFigureOut">
               <a:rPr lang="en-US" smtClean="0"/>
-              <a:t>2/22/2026</a:t>
+              <a:t>2/23/2026</a:t>
             </a:fld>
             <a:endParaRPr lang="en-US"/>
           </a:p>
@@ -2515,7 +2512,7 @@
           <a:p>
             <a:fld id="{5BCAD085-E8A6-8845-BD4E-CB4CCA059FC4}" type="datetimeFigureOut">
               <a:rPr lang="en-US" smtClean="0"/>
-              <a:t>2/22/2026</a:t>
+              <a:t>2/23/2026</a:t>
             </a:fld>
             <a:endParaRPr lang="en-US"/>
           </a:p>
@@ -2726,7 +2723,7 @@
           <a:p>
             <a:fld id="{5BCAD085-E8A6-8845-BD4E-CB4CCA059FC4}" type="datetimeFigureOut">
               <a:rPr lang="en-US" smtClean="0"/>
-              <a:t>2/22/2026</a:t>
+              <a:t>2/23/2026</a:t>
             </a:fld>
             <a:endParaRPr lang="en-US"/>
           </a:p>
@@ -3515,2339 +3512,6 @@
 </p:sld>
 </file>
 
-<file path=ppt/slides/slide10.xml><?xml version="1.0" encoding="utf-8"?>
-<p:sld xmlns:a="http://schemas.openxmlformats.org/drawingml/2006/main" xmlns:r="http://schemas.openxmlformats.org/officeDocument/2006/relationships" xmlns:p="http://schemas.openxmlformats.org/presentationml/2006/main">
-  <p:cSld>
-    <p:spTree>
-      <p:nvGrpSpPr>
-        <p:cNvPr id="1" name=""/>
-        <p:cNvGrpSpPr/>
-        <p:nvPr/>
-      </p:nvGrpSpPr>
-      <p:grpSpPr>
-        <a:xfrm>
-          <a:off x="0" y="0"/>
-          <a:ext cx="0" cy="0"/>
-          <a:chOff x="0" y="0"/>
-          <a:chExt cx="0" cy="0"/>
-        </a:xfrm>
-      </p:grpSpPr>
-      <p:sp>
-        <p:nvSpPr>
-          <p:cNvPr id="2" name="Rectangle 1"/>
-          <p:cNvSpPr/>
-          <p:nvPr/>
-        </p:nvSpPr>
-        <p:spPr>
-          <a:xfrm>
-            <a:off x="0" y="0"/>
-            <a:ext cx="12188952" cy="1005840"/>
-          </a:xfrm>
-          <a:prstGeom prst="rect">
-            <a:avLst/>
-          </a:prstGeom>
-          <a:solidFill>
-            <a:srgbClr val="1B5E20"/>
-          </a:solidFill>
-          <a:ln>
-            <a:noFill/>
-          </a:ln>
-        </p:spPr>
-        <p:style>
-          <a:lnRef idx="1">
-            <a:schemeClr val="accent1"/>
-          </a:lnRef>
-          <a:fillRef idx="3">
-            <a:schemeClr val="accent1"/>
-          </a:fillRef>
-          <a:effectRef idx="2">
-            <a:schemeClr val="accent1"/>
-          </a:effectRef>
-          <a:fontRef idx="minor">
-            <a:schemeClr val="lt1"/>
-          </a:fontRef>
-        </p:style>
-        <p:txBody>
-          <a:bodyPr rtlCol="0" anchor="ctr"/>
-          <a:lstStyle/>
-          <a:p>
-            <a:pPr algn="ctr"/>
-            <a:endParaRPr/>
-          </a:p>
-        </p:txBody>
-      </p:sp>
-      <p:sp>
-        <p:nvSpPr>
-          <p:cNvPr id="3" name="Rectangle 2"/>
-          <p:cNvSpPr/>
-          <p:nvPr/>
-        </p:nvSpPr>
-        <p:spPr>
-          <a:xfrm>
-            <a:off x="0" y="1005840"/>
-            <a:ext cx="12188952" cy="64008"/>
-          </a:xfrm>
-          <a:prstGeom prst="rect">
-            <a:avLst/>
-          </a:prstGeom>
-          <a:solidFill>
-            <a:srgbClr val="E64A19"/>
-          </a:solidFill>
-          <a:ln>
-            <a:noFill/>
-          </a:ln>
-        </p:spPr>
-        <p:style>
-          <a:lnRef idx="1">
-            <a:schemeClr val="accent1"/>
-          </a:lnRef>
-          <a:fillRef idx="3">
-            <a:schemeClr val="accent1"/>
-          </a:fillRef>
-          <a:effectRef idx="2">
-            <a:schemeClr val="accent1"/>
-          </a:effectRef>
-          <a:fontRef idx="minor">
-            <a:schemeClr val="lt1"/>
-          </a:fontRef>
-        </p:style>
-        <p:txBody>
-          <a:bodyPr rtlCol="0" anchor="ctr"/>
-          <a:lstStyle/>
-          <a:p>
-            <a:pPr algn="ctr"/>
-            <a:endParaRPr/>
-          </a:p>
-        </p:txBody>
-      </p:sp>
-      <p:sp>
-        <p:nvSpPr>
-          <p:cNvPr id="4" name="TextBox 3"/>
-          <p:cNvSpPr txBox="1"/>
-          <p:nvPr/>
-        </p:nvSpPr>
-        <p:spPr>
-          <a:xfrm>
-            <a:off x="347472" y="91440"/>
-            <a:ext cx="10972800" cy="585216"/>
-          </a:xfrm>
-          <a:prstGeom prst="rect">
-            <a:avLst/>
-          </a:prstGeom>
-          <a:noFill/>
-        </p:spPr>
-        <p:txBody>
-          <a:bodyPr wrap="square">
-            <a:spAutoFit/>
-          </a:bodyPr>
-          <a:lstStyle/>
-          <a:p>
-            <a:pPr algn="l"/>
-            <a:r>
-              <a:rPr sz="2800" b="1" i="0">
-                <a:solidFill>
-                  <a:srgbClr val="FFFFFF"/>
-                </a:solidFill>
-                <a:latin typeface="Calibri"/>
-              </a:rPr>
-              <a:t>Technology Stack</a:t>
-            </a:r>
-          </a:p>
-        </p:txBody>
-      </p:sp>
-      <p:sp>
-        <p:nvSpPr>
-          <p:cNvPr id="5" name="Rectangle 4"/>
-          <p:cNvSpPr/>
-          <p:nvPr/>
-        </p:nvSpPr>
-        <p:spPr>
-          <a:xfrm>
-            <a:off x="0" y="6556248"/>
-            <a:ext cx="12188952" cy="301752"/>
-          </a:xfrm>
-          <a:prstGeom prst="rect">
-            <a:avLst/>
-          </a:prstGeom>
-          <a:solidFill>
-            <a:srgbClr val="1B5E20"/>
-          </a:solidFill>
-          <a:ln>
-            <a:noFill/>
-          </a:ln>
-        </p:spPr>
-        <p:style>
-          <a:lnRef idx="1">
-            <a:schemeClr val="accent1"/>
-          </a:lnRef>
-          <a:fillRef idx="3">
-            <a:schemeClr val="accent1"/>
-          </a:fillRef>
-          <a:effectRef idx="2">
-            <a:schemeClr val="accent1"/>
-          </a:effectRef>
-          <a:fontRef idx="minor">
-            <a:schemeClr val="lt1"/>
-          </a:fontRef>
-        </p:style>
-        <p:txBody>
-          <a:bodyPr rtlCol="0" anchor="ctr"/>
-          <a:lstStyle/>
-          <a:p>
-            <a:pPr algn="ctr"/>
-            <a:endParaRPr/>
-          </a:p>
-        </p:txBody>
-      </p:sp>
-      <p:sp>
-        <p:nvSpPr>
-          <p:cNvPr id="6" name="TextBox 5"/>
-          <p:cNvSpPr txBox="1"/>
-          <p:nvPr/>
-        </p:nvSpPr>
-        <p:spPr>
-          <a:xfrm>
-            <a:off x="320040" y="6574536"/>
-            <a:ext cx="11430000" cy="246888"/>
-          </a:xfrm>
-          <a:prstGeom prst="rect">
-            <a:avLst/>
-          </a:prstGeom>
-          <a:noFill/>
-        </p:spPr>
-        <p:txBody>
-          <a:bodyPr wrap="square">
-            <a:spAutoFit/>
-          </a:bodyPr>
-          <a:lstStyle/>
-          <a:p>
-            <a:pPr algn="l"/>
-            <a:r>
-              <a:rPr sz="1000" b="0" i="0">
-                <a:solidFill>
-                  <a:srgbClr val="66BB6A"/>
-                </a:solidFill>
-                <a:latin typeface="Calibri"/>
-              </a:rPr>
-              <a:t>Snap &amp; Cook  |  CSD3156 Mobile and Cloud Computing  |  SIT</a:t>
-            </a:r>
-          </a:p>
-        </p:txBody>
-      </p:sp>
-      <p:sp>
-        <p:nvSpPr>
-          <p:cNvPr id="7" name="Rectangle 6"/>
-          <p:cNvSpPr/>
-          <p:nvPr/>
-        </p:nvSpPr>
-        <p:spPr>
-          <a:xfrm>
-            <a:off x="274320" y="1170432"/>
-            <a:ext cx="3611880" cy="502920"/>
-          </a:xfrm>
-          <a:prstGeom prst="rect">
-            <a:avLst/>
-          </a:prstGeom>
-          <a:solidFill>
-            <a:srgbClr val="1B5E20"/>
-          </a:solidFill>
-          <a:ln>
-            <a:noFill/>
-          </a:ln>
-        </p:spPr>
-        <p:style>
-          <a:lnRef idx="1">
-            <a:schemeClr val="accent1"/>
-          </a:lnRef>
-          <a:fillRef idx="3">
-            <a:schemeClr val="accent1"/>
-          </a:fillRef>
-          <a:effectRef idx="2">
-            <a:schemeClr val="accent1"/>
-          </a:effectRef>
-          <a:fontRef idx="minor">
-            <a:schemeClr val="lt1"/>
-          </a:fontRef>
-        </p:style>
-        <p:txBody>
-          <a:bodyPr rtlCol="0" anchor="ctr"/>
-          <a:lstStyle/>
-          <a:p>
-            <a:pPr algn="ctr"/>
-            <a:endParaRPr/>
-          </a:p>
-        </p:txBody>
-      </p:sp>
-      <p:sp>
-        <p:nvSpPr>
-          <p:cNvPr id="8" name="TextBox 7"/>
-          <p:cNvSpPr txBox="1"/>
-          <p:nvPr/>
-        </p:nvSpPr>
-        <p:spPr>
-          <a:xfrm>
-            <a:off x="411479" y="1243584"/>
-            <a:ext cx="3429000" cy="365760"/>
-          </a:xfrm>
-          <a:prstGeom prst="rect">
-            <a:avLst/>
-          </a:prstGeom>
-          <a:noFill/>
-        </p:spPr>
-        <p:txBody>
-          <a:bodyPr wrap="square">
-            <a:spAutoFit/>
-          </a:bodyPr>
-          <a:lstStyle/>
-          <a:p>
-            <a:pPr algn="l"/>
-            <a:r>
-              <a:rPr sz="1400" b="1" i="0">
-                <a:solidFill>
-                  <a:srgbClr val="FFFFFF"/>
-                </a:solidFill>
-                <a:latin typeface="Calibri"/>
-              </a:rPr>
-              <a:t>AI &amp; Vision</a:t>
-            </a:r>
-          </a:p>
-        </p:txBody>
-      </p:sp>
-      <p:sp>
-        <p:nvSpPr>
-          <p:cNvPr id="9" name="Rectangle 8"/>
-          <p:cNvSpPr/>
-          <p:nvPr/>
-        </p:nvSpPr>
-        <p:spPr>
-          <a:xfrm>
-            <a:off x="274320" y="1673352"/>
-            <a:ext cx="3611880" cy="1783080"/>
-          </a:xfrm>
-          <a:prstGeom prst="rect">
-            <a:avLst/>
-          </a:prstGeom>
-          <a:solidFill>
-            <a:srgbClr val="FFFFFF"/>
-          </a:solidFill>
-          <a:ln w="12700">
-            <a:solidFill>
-              <a:srgbClr val="DDDDDD"/>
-            </a:solidFill>
-          </a:ln>
-        </p:spPr>
-        <p:style>
-          <a:lnRef idx="1">
-            <a:schemeClr val="accent1"/>
-          </a:lnRef>
-          <a:fillRef idx="3">
-            <a:schemeClr val="accent1"/>
-          </a:fillRef>
-          <a:effectRef idx="2">
-            <a:schemeClr val="accent1"/>
-          </a:effectRef>
-          <a:fontRef idx="minor">
-            <a:schemeClr val="lt1"/>
-          </a:fontRef>
-        </p:style>
-        <p:txBody>
-          <a:bodyPr rtlCol="0" anchor="ctr"/>
-          <a:lstStyle/>
-          <a:p>
-            <a:pPr algn="ctr"/>
-            <a:endParaRPr/>
-          </a:p>
-        </p:txBody>
-      </p:sp>
-      <p:sp>
-        <p:nvSpPr>
-          <p:cNvPr id="10" name="TextBox 9"/>
-          <p:cNvSpPr txBox="1"/>
-          <p:nvPr/>
-        </p:nvSpPr>
-        <p:spPr>
-          <a:xfrm>
-            <a:off x="438912" y="1810512"/>
-            <a:ext cx="3355848" cy="347472"/>
-          </a:xfrm>
-          <a:prstGeom prst="rect">
-            <a:avLst/>
-          </a:prstGeom>
-          <a:noFill/>
-        </p:spPr>
-        <p:txBody>
-          <a:bodyPr wrap="square">
-            <a:spAutoFit/>
-          </a:bodyPr>
-          <a:lstStyle/>
-          <a:p>
-            <a:pPr algn="l"/>
-            <a:r>
-              <a:rPr sz="1200" b="0" i="0">
-                <a:solidFill>
-                  <a:srgbClr val="212121"/>
-                </a:solidFill>
-                <a:latin typeface="Calibri"/>
-              </a:rPr>
-              <a:t>- Gemini 1.5 Flash</a:t>
-            </a:r>
-          </a:p>
-        </p:txBody>
-      </p:sp>
-      <p:sp>
-        <p:nvSpPr>
-          <p:cNvPr id="11" name="TextBox 10"/>
-          <p:cNvSpPr txBox="1"/>
-          <p:nvPr/>
-        </p:nvSpPr>
-        <p:spPr>
-          <a:xfrm>
-            <a:off x="438912" y="2176272"/>
-            <a:ext cx="3355848" cy="347472"/>
-          </a:xfrm>
-          <a:prstGeom prst="rect">
-            <a:avLst/>
-          </a:prstGeom>
-          <a:noFill/>
-        </p:spPr>
-        <p:txBody>
-          <a:bodyPr wrap="square">
-            <a:spAutoFit/>
-          </a:bodyPr>
-          <a:lstStyle/>
-          <a:p>
-            <a:pPr algn="l"/>
-            <a:r>
-              <a:rPr sz="1200" b="0" i="0">
-                <a:solidFill>
-                  <a:srgbClr val="212121"/>
-                </a:solidFill>
-                <a:latin typeface="Calibri"/>
-              </a:rPr>
-              <a:t>- ML Kit Barcode</a:t>
-            </a:r>
-          </a:p>
-        </p:txBody>
-      </p:sp>
-      <p:sp>
-        <p:nvSpPr>
-          <p:cNvPr id="12" name="TextBox 11"/>
-          <p:cNvSpPr txBox="1"/>
-          <p:nvPr/>
-        </p:nvSpPr>
-        <p:spPr>
-          <a:xfrm>
-            <a:off x="438912" y="2542032"/>
-            <a:ext cx="3355848" cy="347472"/>
-          </a:xfrm>
-          <a:prstGeom prst="rect">
-            <a:avLst/>
-          </a:prstGeom>
-          <a:noFill/>
-        </p:spPr>
-        <p:txBody>
-          <a:bodyPr wrap="square">
-            <a:spAutoFit/>
-          </a:bodyPr>
-          <a:lstStyle/>
-          <a:p>
-            <a:pPr algn="l"/>
-            <a:r>
-              <a:rPr sz="1200" b="0" i="0">
-                <a:solidFill>
-                  <a:srgbClr val="212121"/>
-                </a:solidFill>
-                <a:latin typeface="Calibri"/>
-              </a:rPr>
-              <a:t>- CameraX 1.4.2</a:t>
-            </a:r>
-          </a:p>
-        </p:txBody>
-      </p:sp>
-      <p:sp>
-        <p:nvSpPr>
-          <p:cNvPr id="13" name="Rectangle 12"/>
-          <p:cNvSpPr/>
-          <p:nvPr/>
-        </p:nvSpPr>
-        <p:spPr>
-          <a:xfrm>
-            <a:off x="4133088" y="1170432"/>
-            <a:ext cx="3611880" cy="502920"/>
-          </a:xfrm>
-          <a:prstGeom prst="rect">
-            <a:avLst/>
-          </a:prstGeom>
-          <a:solidFill>
-            <a:srgbClr val="FF6F00"/>
-          </a:solidFill>
-          <a:ln>
-            <a:noFill/>
-          </a:ln>
-        </p:spPr>
-        <p:style>
-          <a:lnRef idx="1">
-            <a:schemeClr val="accent1"/>
-          </a:lnRef>
-          <a:fillRef idx="3">
-            <a:schemeClr val="accent1"/>
-          </a:fillRef>
-          <a:effectRef idx="2">
-            <a:schemeClr val="accent1"/>
-          </a:effectRef>
-          <a:fontRef idx="minor">
-            <a:schemeClr val="lt1"/>
-          </a:fontRef>
-        </p:style>
-        <p:txBody>
-          <a:bodyPr rtlCol="0" anchor="ctr"/>
-          <a:lstStyle/>
-          <a:p>
-            <a:pPr algn="ctr"/>
-            <a:endParaRPr/>
-          </a:p>
-        </p:txBody>
-      </p:sp>
-      <p:sp>
-        <p:nvSpPr>
-          <p:cNvPr id="14" name="TextBox 13"/>
-          <p:cNvSpPr txBox="1"/>
-          <p:nvPr/>
-        </p:nvSpPr>
-        <p:spPr>
-          <a:xfrm>
-            <a:off x="4270248" y="1243584"/>
-            <a:ext cx="3429000" cy="365760"/>
-          </a:xfrm>
-          <a:prstGeom prst="rect">
-            <a:avLst/>
-          </a:prstGeom>
-          <a:noFill/>
-        </p:spPr>
-        <p:txBody>
-          <a:bodyPr wrap="square">
-            <a:spAutoFit/>
-          </a:bodyPr>
-          <a:lstStyle/>
-          <a:p>
-            <a:pPr algn="l"/>
-            <a:r>
-              <a:rPr sz="1400" b="1" i="0">
-                <a:solidFill>
-                  <a:srgbClr val="FFFFFF"/>
-                </a:solidFill>
-                <a:latin typeface="Calibri"/>
-              </a:rPr>
-              <a:t>Networking</a:t>
-            </a:r>
-          </a:p>
-        </p:txBody>
-      </p:sp>
-      <p:sp>
-        <p:nvSpPr>
-          <p:cNvPr id="15" name="Rectangle 14"/>
-          <p:cNvSpPr/>
-          <p:nvPr/>
-        </p:nvSpPr>
-        <p:spPr>
-          <a:xfrm>
-            <a:off x="4133088" y="1673352"/>
-            <a:ext cx="3611880" cy="1783080"/>
-          </a:xfrm>
-          <a:prstGeom prst="rect">
-            <a:avLst/>
-          </a:prstGeom>
-          <a:solidFill>
-            <a:srgbClr val="FFFFFF"/>
-          </a:solidFill>
-          <a:ln w="12700">
-            <a:solidFill>
-              <a:srgbClr val="DDDDDD"/>
-            </a:solidFill>
-          </a:ln>
-        </p:spPr>
-        <p:style>
-          <a:lnRef idx="1">
-            <a:schemeClr val="accent1"/>
-          </a:lnRef>
-          <a:fillRef idx="3">
-            <a:schemeClr val="accent1"/>
-          </a:fillRef>
-          <a:effectRef idx="2">
-            <a:schemeClr val="accent1"/>
-          </a:effectRef>
-          <a:fontRef idx="minor">
-            <a:schemeClr val="lt1"/>
-          </a:fontRef>
-        </p:style>
-        <p:txBody>
-          <a:bodyPr rtlCol="0" anchor="ctr"/>
-          <a:lstStyle/>
-          <a:p>
-            <a:pPr algn="ctr"/>
-            <a:endParaRPr/>
-          </a:p>
-        </p:txBody>
-      </p:sp>
-      <p:sp>
-        <p:nvSpPr>
-          <p:cNvPr id="16" name="TextBox 15"/>
-          <p:cNvSpPr txBox="1"/>
-          <p:nvPr/>
-        </p:nvSpPr>
-        <p:spPr>
-          <a:xfrm>
-            <a:off x="4297680" y="1810512"/>
-            <a:ext cx="3355848" cy="347472"/>
-          </a:xfrm>
-          <a:prstGeom prst="rect">
-            <a:avLst/>
-          </a:prstGeom>
-          <a:noFill/>
-        </p:spPr>
-        <p:txBody>
-          <a:bodyPr wrap="square">
-            <a:spAutoFit/>
-          </a:bodyPr>
-          <a:lstStyle/>
-          <a:p>
-            <a:pPr algn="l"/>
-            <a:r>
-              <a:rPr sz="1200" b="0" i="0">
-                <a:solidFill>
-                  <a:srgbClr val="212121"/>
-                </a:solidFill>
-                <a:latin typeface="Calibri"/>
-              </a:rPr>
-              <a:t>- Retrofit 2.11 + OkHttp 4.12</a:t>
-            </a:r>
-          </a:p>
-        </p:txBody>
-      </p:sp>
-      <p:sp>
-        <p:nvSpPr>
-          <p:cNvPr id="17" name="TextBox 16"/>
-          <p:cNvSpPr txBox="1"/>
-          <p:nvPr/>
-        </p:nvSpPr>
-        <p:spPr>
-          <a:xfrm>
-            <a:off x="4297680" y="2176272"/>
-            <a:ext cx="3355848" cy="347472"/>
-          </a:xfrm>
-          <a:prstGeom prst="rect">
-            <a:avLst/>
-          </a:prstGeom>
-          <a:noFill/>
-        </p:spPr>
-        <p:txBody>
-          <a:bodyPr wrap="square">
-            <a:spAutoFit/>
-          </a:bodyPr>
-          <a:lstStyle/>
-          <a:p>
-            <a:pPr algn="l"/>
-            <a:r>
-              <a:rPr sz="1200" b="0" i="0">
-                <a:solidFill>
-                  <a:srgbClr val="212121"/>
-                </a:solidFill>
-                <a:latin typeface="Calibri"/>
-              </a:rPr>
-              <a:t>- Spoonacular API</a:t>
-            </a:r>
-          </a:p>
-        </p:txBody>
-      </p:sp>
-      <p:sp>
-        <p:nvSpPr>
-          <p:cNvPr id="18" name="TextBox 17"/>
-          <p:cNvSpPr txBox="1"/>
-          <p:nvPr/>
-        </p:nvSpPr>
-        <p:spPr>
-          <a:xfrm>
-            <a:off x="4297680" y="2542032"/>
-            <a:ext cx="3355848" cy="347472"/>
-          </a:xfrm>
-          <a:prstGeom prst="rect">
-            <a:avLst/>
-          </a:prstGeom>
-          <a:noFill/>
-        </p:spPr>
-        <p:txBody>
-          <a:bodyPr wrap="square">
-            <a:spAutoFit/>
-          </a:bodyPr>
-          <a:lstStyle/>
-          <a:p>
-            <a:pPr algn="l"/>
-            <a:r>
-              <a:rPr sz="1200" b="0" i="0">
-                <a:solidFill>
-                  <a:srgbClr val="212121"/>
-                </a:solidFill>
-                <a:latin typeface="Calibri"/>
-              </a:rPr>
-              <a:t>- Open Food Facts API</a:t>
-            </a:r>
-          </a:p>
-        </p:txBody>
-      </p:sp>
-      <p:sp>
-        <p:nvSpPr>
-          <p:cNvPr id="19" name="Rectangle 18"/>
-          <p:cNvSpPr/>
-          <p:nvPr/>
-        </p:nvSpPr>
-        <p:spPr>
-          <a:xfrm>
-            <a:off x="7991856" y="1170432"/>
-            <a:ext cx="3611880" cy="502920"/>
-          </a:xfrm>
-          <a:prstGeom prst="rect">
-            <a:avLst/>
-          </a:prstGeom>
-          <a:solidFill>
-            <a:srgbClr val="2E7D32"/>
-          </a:solidFill>
-          <a:ln>
-            <a:noFill/>
-          </a:ln>
-        </p:spPr>
-        <p:style>
-          <a:lnRef idx="1">
-            <a:schemeClr val="accent1"/>
-          </a:lnRef>
-          <a:fillRef idx="3">
-            <a:schemeClr val="accent1"/>
-          </a:fillRef>
-          <a:effectRef idx="2">
-            <a:schemeClr val="accent1"/>
-          </a:effectRef>
-          <a:fontRef idx="minor">
-            <a:schemeClr val="lt1"/>
-          </a:fontRef>
-        </p:style>
-        <p:txBody>
-          <a:bodyPr rtlCol="0" anchor="ctr"/>
-          <a:lstStyle/>
-          <a:p>
-            <a:pPr algn="ctr"/>
-            <a:endParaRPr/>
-          </a:p>
-        </p:txBody>
-      </p:sp>
-      <p:sp>
-        <p:nvSpPr>
-          <p:cNvPr id="20" name="TextBox 19"/>
-          <p:cNvSpPr txBox="1"/>
-          <p:nvPr/>
-        </p:nvSpPr>
-        <p:spPr>
-          <a:xfrm>
-            <a:off x="8129016" y="1243584"/>
-            <a:ext cx="3429000" cy="365760"/>
-          </a:xfrm>
-          <a:prstGeom prst="rect">
-            <a:avLst/>
-          </a:prstGeom>
-          <a:noFill/>
-        </p:spPr>
-        <p:txBody>
-          <a:bodyPr wrap="square">
-            <a:spAutoFit/>
-          </a:bodyPr>
-          <a:lstStyle/>
-          <a:p>
-            <a:pPr algn="l"/>
-            <a:r>
-              <a:rPr sz="1400" b="1" i="0">
-                <a:solidFill>
-                  <a:srgbClr val="FFFFFF"/>
-                </a:solidFill>
-                <a:latin typeface="Calibri"/>
-              </a:rPr>
-              <a:t>Database</a:t>
-            </a:r>
-          </a:p>
-        </p:txBody>
-      </p:sp>
-      <p:sp>
-        <p:nvSpPr>
-          <p:cNvPr id="21" name="Rectangle 20"/>
-          <p:cNvSpPr/>
-          <p:nvPr/>
-        </p:nvSpPr>
-        <p:spPr>
-          <a:xfrm>
-            <a:off x="7991856" y="1673352"/>
-            <a:ext cx="3611880" cy="1783080"/>
-          </a:xfrm>
-          <a:prstGeom prst="rect">
-            <a:avLst/>
-          </a:prstGeom>
-          <a:solidFill>
-            <a:srgbClr val="FFFFFF"/>
-          </a:solidFill>
-          <a:ln w="12700">
-            <a:solidFill>
-              <a:srgbClr val="DDDDDD"/>
-            </a:solidFill>
-          </a:ln>
-        </p:spPr>
-        <p:style>
-          <a:lnRef idx="1">
-            <a:schemeClr val="accent1"/>
-          </a:lnRef>
-          <a:fillRef idx="3">
-            <a:schemeClr val="accent1"/>
-          </a:fillRef>
-          <a:effectRef idx="2">
-            <a:schemeClr val="accent1"/>
-          </a:effectRef>
-          <a:fontRef idx="minor">
-            <a:schemeClr val="lt1"/>
-          </a:fontRef>
-        </p:style>
-        <p:txBody>
-          <a:bodyPr rtlCol="0" anchor="ctr"/>
-          <a:lstStyle/>
-          <a:p>
-            <a:pPr algn="ctr"/>
-            <a:endParaRPr/>
-          </a:p>
-        </p:txBody>
-      </p:sp>
-      <p:sp>
-        <p:nvSpPr>
-          <p:cNvPr id="22" name="TextBox 21"/>
-          <p:cNvSpPr txBox="1"/>
-          <p:nvPr/>
-        </p:nvSpPr>
-        <p:spPr>
-          <a:xfrm>
-            <a:off x="8156448" y="1810512"/>
-            <a:ext cx="3355848" cy="347472"/>
-          </a:xfrm>
-          <a:prstGeom prst="rect">
-            <a:avLst/>
-          </a:prstGeom>
-          <a:noFill/>
-        </p:spPr>
-        <p:txBody>
-          <a:bodyPr wrap="square">
-            <a:spAutoFit/>
-          </a:bodyPr>
-          <a:lstStyle/>
-          <a:p>
-            <a:pPr algn="l"/>
-            <a:r>
-              <a:rPr sz="1200" b="0" i="0">
-                <a:solidFill>
-                  <a:srgbClr val="212121"/>
-                </a:solidFill>
-                <a:latin typeface="Calibri"/>
-              </a:rPr>
-              <a:t>- Room 2.6.1 (SQLite)</a:t>
-            </a:r>
-          </a:p>
-        </p:txBody>
-      </p:sp>
-      <p:sp>
-        <p:nvSpPr>
-          <p:cNvPr id="23" name="TextBox 22"/>
-          <p:cNvSpPr txBox="1"/>
-          <p:nvPr/>
-        </p:nvSpPr>
-        <p:spPr>
-          <a:xfrm>
-            <a:off x="8156448" y="2176272"/>
-            <a:ext cx="3355848" cy="347472"/>
-          </a:xfrm>
-          <a:prstGeom prst="rect">
-            <a:avLst/>
-          </a:prstGeom>
-          <a:noFill/>
-        </p:spPr>
-        <p:txBody>
-          <a:bodyPr wrap="square">
-            <a:spAutoFit/>
-          </a:bodyPr>
-          <a:lstStyle/>
-          <a:p>
-            <a:pPr algn="l"/>
-            <a:r>
-              <a:rPr sz="1200" b="0" i="0">
-                <a:solidFill>
-                  <a:srgbClr val="212121"/>
-                </a:solidFill>
-                <a:latin typeface="Calibri"/>
-              </a:rPr>
-              <a:t>- Gson serialisation</a:t>
-            </a:r>
-          </a:p>
-        </p:txBody>
-      </p:sp>
-      <p:sp>
-        <p:nvSpPr>
-          <p:cNvPr id="24" name="TextBox 23"/>
-          <p:cNvSpPr txBox="1"/>
-          <p:nvPr/>
-        </p:nvSpPr>
-        <p:spPr>
-          <a:xfrm>
-            <a:off x="8156448" y="2542032"/>
-            <a:ext cx="3355848" cy="347472"/>
-          </a:xfrm>
-          <a:prstGeom prst="rect">
-            <a:avLst/>
-          </a:prstGeom>
-          <a:noFill/>
-        </p:spPr>
-        <p:txBody>
-          <a:bodyPr wrap="square">
-            <a:spAutoFit/>
-          </a:bodyPr>
-          <a:lstStyle/>
-          <a:p>
-            <a:pPr algn="l"/>
-            <a:r>
-              <a:rPr sz="1200" b="0" i="0">
-                <a:solidFill>
-                  <a:srgbClr val="212121"/>
-                </a:solidFill>
-                <a:latin typeface="Calibri"/>
-              </a:rPr>
-              <a:t>- LiveData</a:t>
-            </a:r>
-          </a:p>
-        </p:txBody>
-      </p:sp>
-      <p:sp>
-        <p:nvSpPr>
-          <p:cNvPr id="25" name="Rectangle 24"/>
-          <p:cNvSpPr/>
-          <p:nvPr/>
-        </p:nvSpPr>
-        <p:spPr>
-          <a:xfrm>
-            <a:off x="274320" y="3593591"/>
-            <a:ext cx="3611880" cy="502920"/>
-          </a:xfrm>
-          <a:prstGeom prst="rect">
-            <a:avLst/>
-          </a:prstGeom>
-          <a:solidFill>
-            <a:srgbClr val="00695C"/>
-          </a:solidFill>
-          <a:ln>
-            <a:noFill/>
-          </a:ln>
-        </p:spPr>
-        <p:style>
-          <a:lnRef idx="1">
-            <a:schemeClr val="accent1"/>
-          </a:lnRef>
-          <a:fillRef idx="3">
-            <a:schemeClr val="accent1"/>
-          </a:fillRef>
-          <a:effectRef idx="2">
-            <a:schemeClr val="accent1"/>
-          </a:effectRef>
-          <a:fontRef idx="minor">
-            <a:schemeClr val="lt1"/>
-          </a:fontRef>
-        </p:style>
-        <p:txBody>
-          <a:bodyPr rtlCol="0" anchor="ctr"/>
-          <a:lstStyle/>
-          <a:p>
-            <a:pPr algn="ctr"/>
-            <a:endParaRPr/>
-          </a:p>
-        </p:txBody>
-      </p:sp>
-      <p:sp>
-        <p:nvSpPr>
-          <p:cNvPr id="26" name="TextBox 25"/>
-          <p:cNvSpPr txBox="1"/>
-          <p:nvPr/>
-        </p:nvSpPr>
-        <p:spPr>
-          <a:xfrm>
-            <a:off x="411479" y="3666744"/>
-            <a:ext cx="3429000" cy="365760"/>
-          </a:xfrm>
-          <a:prstGeom prst="rect">
-            <a:avLst/>
-          </a:prstGeom>
-          <a:noFill/>
-        </p:spPr>
-        <p:txBody>
-          <a:bodyPr wrap="square">
-            <a:spAutoFit/>
-          </a:bodyPr>
-          <a:lstStyle/>
-          <a:p>
-            <a:pPr algn="l"/>
-            <a:r>
-              <a:rPr sz="1400" b="1" i="0">
-                <a:solidFill>
-                  <a:srgbClr val="FFFFFF"/>
-                </a:solidFill>
-                <a:latin typeface="Calibri"/>
-              </a:rPr>
-              <a:t>UI &amp; UX</a:t>
-            </a:r>
-          </a:p>
-        </p:txBody>
-      </p:sp>
-      <p:sp>
-        <p:nvSpPr>
-          <p:cNvPr id="27" name="Rectangle 26"/>
-          <p:cNvSpPr/>
-          <p:nvPr/>
-        </p:nvSpPr>
-        <p:spPr>
-          <a:xfrm>
-            <a:off x="274320" y="4096511"/>
-            <a:ext cx="3611880" cy="1783080"/>
-          </a:xfrm>
-          <a:prstGeom prst="rect">
-            <a:avLst/>
-          </a:prstGeom>
-          <a:solidFill>
-            <a:srgbClr val="FFFFFF"/>
-          </a:solidFill>
-          <a:ln w="12700">
-            <a:solidFill>
-              <a:srgbClr val="DDDDDD"/>
-            </a:solidFill>
-          </a:ln>
-        </p:spPr>
-        <p:style>
-          <a:lnRef idx="1">
-            <a:schemeClr val="accent1"/>
-          </a:lnRef>
-          <a:fillRef idx="3">
-            <a:schemeClr val="accent1"/>
-          </a:fillRef>
-          <a:effectRef idx="2">
-            <a:schemeClr val="accent1"/>
-          </a:effectRef>
-          <a:fontRef idx="minor">
-            <a:schemeClr val="lt1"/>
-          </a:fontRef>
-        </p:style>
-        <p:txBody>
-          <a:bodyPr rtlCol="0" anchor="ctr"/>
-          <a:lstStyle/>
-          <a:p>
-            <a:pPr algn="ctr"/>
-            <a:endParaRPr/>
-          </a:p>
-        </p:txBody>
-      </p:sp>
-      <p:sp>
-        <p:nvSpPr>
-          <p:cNvPr id="28" name="TextBox 27"/>
-          <p:cNvSpPr txBox="1"/>
-          <p:nvPr/>
-        </p:nvSpPr>
-        <p:spPr>
-          <a:xfrm>
-            <a:off x="438912" y="4233672"/>
-            <a:ext cx="3355848" cy="347472"/>
-          </a:xfrm>
-          <a:prstGeom prst="rect">
-            <a:avLst/>
-          </a:prstGeom>
-          <a:noFill/>
-        </p:spPr>
-        <p:txBody>
-          <a:bodyPr wrap="square">
-            <a:spAutoFit/>
-          </a:bodyPr>
-          <a:lstStyle/>
-          <a:p>
-            <a:pPr algn="l"/>
-            <a:r>
-              <a:rPr sz="1200" b="0" i="0">
-                <a:solidFill>
-                  <a:srgbClr val="212121"/>
-                </a:solidFill>
-                <a:latin typeface="Calibri"/>
-              </a:rPr>
-              <a:t>- Material Design 3</a:t>
-            </a:r>
-          </a:p>
-        </p:txBody>
-      </p:sp>
-      <p:sp>
-        <p:nvSpPr>
-          <p:cNvPr id="29" name="TextBox 28"/>
-          <p:cNvSpPr txBox="1"/>
-          <p:nvPr/>
-        </p:nvSpPr>
-        <p:spPr>
-          <a:xfrm>
-            <a:off x="438912" y="4599432"/>
-            <a:ext cx="3355848" cy="347472"/>
-          </a:xfrm>
-          <a:prstGeom prst="rect">
-            <a:avLst/>
-          </a:prstGeom>
-          <a:noFill/>
-        </p:spPr>
-        <p:txBody>
-          <a:bodyPr wrap="square">
-            <a:spAutoFit/>
-          </a:bodyPr>
-          <a:lstStyle/>
-          <a:p>
-            <a:pPr algn="l"/>
-            <a:r>
-              <a:rPr sz="1200" b="0" i="0">
-                <a:solidFill>
-                  <a:srgbClr val="212121"/>
-                </a:solidFill>
-                <a:latin typeface="Calibri"/>
-              </a:rPr>
-              <a:t>- ViewBinding</a:t>
-            </a:r>
-          </a:p>
-        </p:txBody>
-      </p:sp>
-      <p:sp>
-        <p:nvSpPr>
-          <p:cNvPr id="30" name="TextBox 29"/>
-          <p:cNvSpPr txBox="1"/>
-          <p:nvPr/>
-        </p:nvSpPr>
-        <p:spPr>
-          <a:xfrm>
-            <a:off x="438912" y="4965192"/>
-            <a:ext cx="3355848" cy="347472"/>
-          </a:xfrm>
-          <a:prstGeom prst="rect">
-            <a:avLst/>
-          </a:prstGeom>
-          <a:noFill/>
-        </p:spPr>
-        <p:txBody>
-          <a:bodyPr wrap="square">
-            <a:spAutoFit/>
-          </a:bodyPr>
-          <a:lstStyle/>
-          <a:p>
-            <a:pPr algn="l"/>
-            <a:r>
-              <a:rPr sz="1200" b="0" i="0">
-                <a:solidFill>
-                  <a:srgbClr val="212121"/>
-                </a:solidFill>
-                <a:latin typeface="Calibri"/>
-              </a:rPr>
-              <a:t>- Glide 4.16</a:t>
-            </a:r>
-          </a:p>
-        </p:txBody>
-      </p:sp>
-      <p:sp>
-        <p:nvSpPr>
-          <p:cNvPr id="31" name="TextBox 30"/>
-          <p:cNvSpPr txBox="1"/>
-          <p:nvPr/>
-        </p:nvSpPr>
-        <p:spPr>
-          <a:xfrm>
-            <a:off x="438912" y="5330952"/>
-            <a:ext cx="3355848" cy="347472"/>
-          </a:xfrm>
-          <a:prstGeom prst="rect">
-            <a:avLst/>
-          </a:prstGeom>
-          <a:noFill/>
-        </p:spPr>
-        <p:txBody>
-          <a:bodyPr wrap="square">
-            <a:spAutoFit/>
-          </a:bodyPr>
-          <a:lstStyle/>
-          <a:p>
-            <a:pPr algn="l"/>
-            <a:r>
-              <a:rPr sz="1200" b="0" i="0">
-                <a:solidFill>
-                  <a:srgbClr val="212121"/>
-                </a:solidFill>
-                <a:latin typeface="Calibri"/>
-              </a:rPr>
-              <a:t>- Dark Mode</a:t>
-            </a:r>
-          </a:p>
-        </p:txBody>
-      </p:sp>
-      <p:sp>
-        <p:nvSpPr>
-          <p:cNvPr id="32" name="Rectangle 31"/>
-          <p:cNvSpPr/>
-          <p:nvPr/>
-        </p:nvSpPr>
-        <p:spPr>
-          <a:xfrm>
-            <a:off x="4133088" y="3593591"/>
-            <a:ext cx="3611880" cy="502920"/>
-          </a:xfrm>
-          <a:prstGeom prst="rect">
-            <a:avLst/>
-          </a:prstGeom>
-          <a:solidFill>
-            <a:srgbClr val="4A148C"/>
-          </a:solidFill>
-          <a:ln>
-            <a:noFill/>
-          </a:ln>
-        </p:spPr>
-        <p:style>
-          <a:lnRef idx="1">
-            <a:schemeClr val="accent1"/>
-          </a:lnRef>
-          <a:fillRef idx="3">
-            <a:schemeClr val="accent1"/>
-          </a:fillRef>
-          <a:effectRef idx="2">
-            <a:schemeClr val="accent1"/>
-          </a:effectRef>
-          <a:fontRef idx="minor">
-            <a:schemeClr val="lt1"/>
-          </a:fontRef>
-        </p:style>
-        <p:txBody>
-          <a:bodyPr rtlCol="0" anchor="ctr"/>
-          <a:lstStyle/>
-          <a:p>
-            <a:pPr algn="ctr"/>
-            <a:endParaRPr/>
-          </a:p>
-        </p:txBody>
-      </p:sp>
-      <p:sp>
-        <p:nvSpPr>
-          <p:cNvPr id="33" name="TextBox 32"/>
-          <p:cNvSpPr txBox="1"/>
-          <p:nvPr/>
-        </p:nvSpPr>
-        <p:spPr>
-          <a:xfrm>
-            <a:off x="4270248" y="3666744"/>
-            <a:ext cx="3429000" cy="365760"/>
-          </a:xfrm>
-          <a:prstGeom prst="rect">
-            <a:avLst/>
-          </a:prstGeom>
-          <a:noFill/>
-        </p:spPr>
-        <p:txBody>
-          <a:bodyPr wrap="square">
-            <a:spAutoFit/>
-          </a:bodyPr>
-          <a:lstStyle/>
-          <a:p>
-            <a:pPr algn="l"/>
-            <a:r>
-              <a:rPr sz="1400" b="1" i="0">
-                <a:solidFill>
-                  <a:srgbClr val="FFFFFF"/>
-                </a:solidFill>
-                <a:latin typeface="Calibri"/>
-              </a:rPr>
-              <a:t>Language &amp; Build</a:t>
-            </a:r>
-          </a:p>
-        </p:txBody>
-      </p:sp>
-      <p:sp>
-        <p:nvSpPr>
-          <p:cNvPr id="34" name="Rectangle 33"/>
-          <p:cNvSpPr/>
-          <p:nvPr/>
-        </p:nvSpPr>
-        <p:spPr>
-          <a:xfrm>
-            <a:off x="4133088" y="4096511"/>
-            <a:ext cx="3611880" cy="1783080"/>
-          </a:xfrm>
-          <a:prstGeom prst="rect">
-            <a:avLst/>
-          </a:prstGeom>
-          <a:solidFill>
-            <a:srgbClr val="FFFFFF"/>
-          </a:solidFill>
-          <a:ln w="12700">
-            <a:solidFill>
-              <a:srgbClr val="DDDDDD"/>
-            </a:solidFill>
-          </a:ln>
-        </p:spPr>
-        <p:style>
-          <a:lnRef idx="1">
-            <a:schemeClr val="accent1"/>
-          </a:lnRef>
-          <a:fillRef idx="3">
-            <a:schemeClr val="accent1"/>
-          </a:fillRef>
-          <a:effectRef idx="2">
-            <a:schemeClr val="accent1"/>
-          </a:effectRef>
-          <a:fontRef idx="minor">
-            <a:schemeClr val="lt1"/>
-          </a:fontRef>
-        </p:style>
-        <p:txBody>
-          <a:bodyPr rtlCol="0" anchor="ctr"/>
-          <a:lstStyle/>
-          <a:p>
-            <a:pPr algn="ctr"/>
-            <a:endParaRPr/>
-          </a:p>
-        </p:txBody>
-      </p:sp>
-      <p:sp>
-        <p:nvSpPr>
-          <p:cNvPr id="35" name="TextBox 34"/>
-          <p:cNvSpPr txBox="1"/>
-          <p:nvPr/>
-        </p:nvSpPr>
-        <p:spPr>
-          <a:xfrm>
-            <a:off x="4297680" y="4233672"/>
-            <a:ext cx="3355848" cy="347472"/>
-          </a:xfrm>
-          <a:prstGeom prst="rect">
-            <a:avLst/>
-          </a:prstGeom>
-          <a:noFill/>
-        </p:spPr>
-        <p:txBody>
-          <a:bodyPr wrap="square">
-            <a:spAutoFit/>
-          </a:bodyPr>
-          <a:lstStyle/>
-          <a:p>
-            <a:pPr algn="l"/>
-            <a:r>
-              <a:rPr sz="1200" b="0" i="0">
-                <a:solidFill>
-                  <a:srgbClr val="212121"/>
-                </a:solidFill>
-                <a:latin typeface="Calibri"/>
-              </a:rPr>
-              <a:t>- Kotlin 2.0.21</a:t>
-            </a:r>
-          </a:p>
-        </p:txBody>
-      </p:sp>
-      <p:sp>
-        <p:nvSpPr>
-          <p:cNvPr id="36" name="TextBox 35"/>
-          <p:cNvSpPr txBox="1"/>
-          <p:nvPr/>
-        </p:nvSpPr>
-        <p:spPr>
-          <a:xfrm>
-            <a:off x="4297680" y="4599432"/>
-            <a:ext cx="3355848" cy="347472"/>
-          </a:xfrm>
-          <a:prstGeom prst="rect">
-            <a:avLst/>
-          </a:prstGeom>
-          <a:noFill/>
-        </p:spPr>
-        <p:txBody>
-          <a:bodyPr wrap="square">
-            <a:spAutoFit/>
-          </a:bodyPr>
-          <a:lstStyle/>
-          <a:p>
-            <a:pPr algn="l"/>
-            <a:r>
-              <a:rPr sz="1200" b="0" i="0">
-                <a:solidFill>
-                  <a:srgbClr val="212121"/>
-                </a:solidFill>
-                <a:latin typeface="Calibri"/>
-              </a:rPr>
-              <a:t>- Coroutines 1.8.1</a:t>
-            </a:r>
-          </a:p>
-        </p:txBody>
-      </p:sp>
-      <p:sp>
-        <p:nvSpPr>
-          <p:cNvPr id="37" name="TextBox 36"/>
-          <p:cNvSpPr txBox="1"/>
-          <p:nvPr/>
-        </p:nvSpPr>
-        <p:spPr>
-          <a:xfrm>
-            <a:off x="4297680" y="4965192"/>
-            <a:ext cx="3355848" cy="347472"/>
-          </a:xfrm>
-          <a:prstGeom prst="rect">
-            <a:avLst/>
-          </a:prstGeom>
-          <a:noFill/>
-        </p:spPr>
-        <p:txBody>
-          <a:bodyPr wrap="square">
-            <a:spAutoFit/>
-          </a:bodyPr>
-          <a:lstStyle/>
-          <a:p>
-            <a:pPr algn="l"/>
-            <a:r>
-              <a:rPr sz="1200" b="0" i="0">
-                <a:solidFill>
-                  <a:srgbClr val="212121"/>
-                </a:solidFill>
-                <a:latin typeface="Calibri"/>
-              </a:rPr>
-              <a:t>- Min SDK 26</a:t>
-            </a:r>
-          </a:p>
-        </p:txBody>
-      </p:sp>
-      <p:sp>
-        <p:nvSpPr>
-          <p:cNvPr id="38" name="Rectangle 37"/>
-          <p:cNvSpPr/>
-          <p:nvPr/>
-        </p:nvSpPr>
-        <p:spPr>
-          <a:xfrm>
-            <a:off x="7991856" y="3593591"/>
-            <a:ext cx="3611880" cy="502920"/>
-          </a:xfrm>
-          <a:prstGeom prst="rect">
-            <a:avLst/>
-          </a:prstGeom>
-          <a:solidFill>
-            <a:srgbClr val="BF360C"/>
-          </a:solidFill>
-          <a:ln>
-            <a:noFill/>
-          </a:ln>
-        </p:spPr>
-        <p:style>
-          <a:lnRef idx="1">
-            <a:schemeClr val="accent1"/>
-          </a:lnRef>
-          <a:fillRef idx="3">
-            <a:schemeClr val="accent1"/>
-          </a:fillRef>
-          <a:effectRef idx="2">
-            <a:schemeClr val="accent1"/>
-          </a:effectRef>
-          <a:fontRef idx="minor">
-            <a:schemeClr val="lt1"/>
-          </a:fontRef>
-        </p:style>
-        <p:txBody>
-          <a:bodyPr rtlCol="0" anchor="ctr"/>
-          <a:lstStyle/>
-          <a:p>
-            <a:pPr algn="ctr"/>
-            <a:endParaRPr/>
-          </a:p>
-        </p:txBody>
-      </p:sp>
-      <p:sp>
-        <p:nvSpPr>
-          <p:cNvPr id="39" name="TextBox 38"/>
-          <p:cNvSpPr txBox="1"/>
-          <p:nvPr/>
-        </p:nvSpPr>
-        <p:spPr>
-          <a:xfrm>
-            <a:off x="8129016" y="3666744"/>
-            <a:ext cx="3429000" cy="365760"/>
-          </a:xfrm>
-          <a:prstGeom prst="rect">
-            <a:avLst/>
-          </a:prstGeom>
-          <a:noFill/>
-        </p:spPr>
-        <p:txBody>
-          <a:bodyPr wrap="square">
-            <a:spAutoFit/>
-          </a:bodyPr>
-          <a:lstStyle/>
-          <a:p>
-            <a:pPr algn="l"/>
-            <a:r>
-              <a:rPr sz="1400" b="1" i="0">
-                <a:solidFill>
-                  <a:srgbClr val="FFFFFF"/>
-                </a:solidFill>
-                <a:latin typeface="Calibri"/>
-              </a:rPr>
-              <a:t>Voice &amp; Audio</a:t>
-            </a:r>
-          </a:p>
-        </p:txBody>
-      </p:sp>
-      <p:sp>
-        <p:nvSpPr>
-          <p:cNvPr id="40" name="Rectangle 39"/>
-          <p:cNvSpPr/>
-          <p:nvPr/>
-        </p:nvSpPr>
-        <p:spPr>
-          <a:xfrm>
-            <a:off x="7991856" y="4096511"/>
-            <a:ext cx="3611880" cy="1783080"/>
-          </a:xfrm>
-          <a:prstGeom prst="rect">
-            <a:avLst/>
-          </a:prstGeom>
-          <a:solidFill>
-            <a:srgbClr val="FFFFFF"/>
-          </a:solidFill>
-          <a:ln w="12700">
-            <a:solidFill>
-              <a:srgbClr val="DDDDDD"/>
-            </a:solidFill>
-          </a:ln>
-        </p:spPr>
-        <p:style>
-          <a:lnRef idx="1">
-            <a:schemeClr val="accent1"/>
-          </a:lnRef>
-          <a:fillRef idx="3">
-            <a:schemeClr val="accent1"/>
-          </a:fillRef>
-          <a:effectRef idx="2">
-            <a:schemeClr val="accent1"/>
-          </a:effectRef>
-          <a:fontRef idx="minor">
-            <a:schemeClr val="lt1"/>
-          </a:fontRef>
-        </p:style>
-        <p:txBody>
-          <a:bodyPr rtlCol="0" anchor="ctr"/>
-          <a:lstStyle/>
-          <a:p>
-            <a:pPr algn="ctr"/>
-            <a:endParaRPr/>
-          </a:p>
-        </p:txBody>
-      </p:sp>
-      <p:sp>
-        <p:nvSpPr>
-          <p:cNvPr id="41" name="TextBox 40"/>
-          <p:cNvSpPr txBox="1"/>
-          <p:nvPr/>
-        </p:nvSpPr>
-        <p:spPr>
-          <a:xfrm>
-            <a:off x="8156448" y="4233672"/>
-            <a:ext cx="3355848" cy="347472"/>
-          </a:xfrm>
-          <a:prstGeom prst="rect">
-            <a:avLst/>
-          </a:prstGeom>
-          <a:noFill/>
-        </p:spPr>
-        <p:txBody>
-          <a:bodyPr wrap="square">
-            <a:spAutoFit/>
-          </a:bodyPr>
-          <a:lstStyle/>
-          <a:p>
-            <a:pPr algn="l"/>
-            <a:r>
-              <a:rPr sz="1200" b="0" i="0">
-                <a:solidFill>
-                  <a:srgbClr val="212121"/>
-                </a:solidFill>
-                <a:latin typeface="Calibri"/>
-              </a:rPr>
-              <a:t>- TextToSpeech</a:t>
-            </a:r>
-          </a:p>
-        </p:txBody>
-      </p:sp>
-      <p:sp>
-        <p:nvSpPr>
-          <p:cNvPr id="42" name="TextBox 41"/>
-          <p:cNvSpPr txBox="1"/>
-          <p:nvPr/>
-        </p:nvSpPr>
-        <p:spPr>
-          <a:xfrm>
-            <a:off x="8156448" y="4599432"/>
-            <a:ext cx="3355848" cy="347472"/>
-          </a:xfrm>
-          <a:prstGeom prst="rect">
-            <a:avLst/>
-          </a:prstGeom>
-          <a:noFill/>
-        </p:spPr>
-        <p:txBody>
-          <a:bodyPr wrap="square">
-            <a:spAutoFit/>
-          </a:bodyPr>
-          <a:lstStyle/>
-          <a:p>
-            <a:pPr algn="l"/>
-            <a:r>
-              <a:rPr sz="1200" b="0" i="0">
-                <a:solidFill>
-                  <a:srgbClr val="212121"/>
-                </a:solidFill>
-                <a:latin typeface="Calibri"/>
-              </a:rPr>
-              <a:t>- SpeechRecognizer</a:t>
-            </a:r>
-          </a:p>
-        </p:txBody>
-      </p:sp>
-      <p:sp>
-        <p:nvSpPr>
-          <p:cNvPr id="43" name="TextBox 42"/>
-          <p:cNvSpPr txBox="1"/>
-          <p:nvPr/>
-        </p:nvSpPr>
-        <p:spPr>
-          <a:xfrm>
-            <a:off x="8156448" y="4965192"/>
-            <a:ext cx="3355848" cy="347472"/>
-          </a:xfrm>
-          <a:prstGeom prst="rect">
-            <a:avLst/>
-          </a:prstGeom>
-          <a:noFill/>
-        </p:spPr>
-        <p:txBody>
-          <a:bodyPr wrap="square">
-            <a:spAutoFit/>
-          </a:bodyPr>
-          <a:lstStyle/>
-          <a:p>
-            <a:pPr algn="l"/>
-            <a:r>
-              <a:rPr sz="1200" b="0" i="0">
-                <a:solidFill>
-                  <a:srgbClr val="212121"/>
-                </a:solidFill>
-                <a:latin typeface="Calibri"/>
-              </a:rPr>
-              <a:t>- Screen-on flag</a:t>
-            </a:r>
-          </a:p>
-        </p:txBody>
-      </p:sp>
-    </p:spTree>
-  </p:cSld>
-  <p:clrMapOvr>
-    <a:masterClrMapping/>
-  </p:clrMapOvr>
-</p:sld>
-</file>
-
-<file path=ppt/slides/slide11.xml><?xml version="1.0" encoding="utf-8"?>
-<p:sld xmlns:a="http://schemas.openxmlformats.org/drawingml/2006/main" xmlns:r="http://schemas.openxmlformats.org/officeDocument/2006/relationships" xmlns:p="http://schemas.openxmlformats.org/presentationml/2006/main">
-  <p:cSld>
-    <p:spTree>
-      <p:nvGrpSpPr>
-        <p:cNvPr id="1" name=""/>
-        <p:cNvGrpSpPr/>
-        <p:nvPr/>
-      </p:nvGrpSpPr>
-      <p:grpSpPr>
-        <a:xfrm>
-          <a:off x="0" y="0"/>
-          <a:ext cx="0" cy="0"/>
-          <a:chOff x="0" y="0"/>
-          <a:chExt cx="0" cy="0"/>
-        </a:xfrm>
-      </p:grpSpPr>
-      <p:sp>
-        <p:nvSpPr>
-          <p:cNvPr id="2" name="Rectangle 1"/>
-          <p:cNvSpPr/>
-          <p:nvPr/>
-        </p:nvSpPr>
-        <p:spPr>
-          <a:xfrm>
-            <a:off x="0" y="0"/>
-            <a:ext cx="12188952" cy="6858000"/>
-          </a:xfrm>
-          <a:prstGeom prst="rect">
-            <a:avLst/>
-          </a:prstGeom>
-          <a:solidFill>
-            <a:srgbClr val="121212"/>
-          </a:solidFill>
-          <a:ln>
-            <a:noFill/>
-          </a:ln>
-        </p:spPr>
-        <p:style>
-          <a:lnRef idx="1">
-            <a:schemeClr val="accent1"/>
-          </a:lnRef>
-          <a:fillRef idx="3">
-            <a:schemeClr val="accent1"/>
-          </a:fillRef>
-          <a:effectRef idx="2">
-            <a:schemeClr val="accent1"/>
-          </a:effectRef>
-          <a:fontRef idx="minor">
-            <a:schemeClr val="lt1"/>
-          </a:fontRef>
-        </p:style>
-        <p:txBody>
-          <a:bodyPr rtlCol="0" anchor="ctr"/>
-          <a:lstStyle/>
-          <a:p>
-            <a:pPr algn="ctr"/>
-            <a:endParaRPr/>
-          </a:p>
-        </p:txBody>
-      </p:sp>
-      <p:sp>
-        <p:nvSpPr>
-          <p:cNvPr id="3" name="Rectangle 2"/>
-          <p:cNvSpPr/>
-          <p:nvPr/>
-        </p:nvSpPr>
-        <p:spPr>
-          <a:xfrm>
-            <a:off x="0" y="0"/>
-            <a:ext cx="12188952" cy="91440"/>
-          </a:xfrm>
-          <a:prstGeom prst="rect">
-            <a:avLst/>
-          </a:prstGeom>
-          <a:solidFill>
-            <a:srgbClr val="FF6F00"/>
-          </a:solidFill>
-          <a:ln>
-            <a:noFill/>
-          </a:ln>
-        </p:spPr>
-        <p:style>
-          <a:lnRef idx="1">
-            <a:schemeClr val="accent1"/>
-          </a:lnRef>
-          <a:fillRef idx="3">
-            <a:schemeClr val="accent1"/>
-          </a:fillRef>
-          <a:effectRef idx="2">
-            <a:schemeClr val="accent1"/>
-          </a:effectRef>
-          <a:fontRef idx="minor">
-            <a:schemeClr val="lt1"/>
-          </a:fontRef>
-        </p:style>
-        <p:txBody>
-          <a:bodyPr rtlCol="0" anchor="ctr"/>
-          <a:lstStyle/>
-          <a:p>
-            <a:pPr algn="ctr"/>
-            <a:endParaRPr/>
-          </a:p>
-        </p:txBody>
-      </p:sp>
-      <p:sp>
-        <p:nvSpPr>
-          <p:cNvPr id="4" name="Rectangle 3"/>
-          <p:cNvSpPr/>
-          <p:nvPr/>
-        </p:nvSpPr>
-        <p:spPr>
-          <a:xfrm>
-            <a:off x="0" y="6766560"/>
-            <a:ext cx="12188952" cy="91440"/>
-          </a:xfrm>
-          <a:prstGeom prst="rect">
-            <a:avLst/>
-          </a:prstGeom>
-          <a:solidFill>
-            <a:srgbClr val="FF6F00"/>
-          </a:solidFill>
-          <a:ln>
-            <a:noFill/>
-          </a:ln>
-        </p:spPr>
-        <p:style>
-          <a:lnRef idx="1">
-            <a:schemeClr val="accent1"/>
-          </a:lnRef>
-          <a:fillRef idx="3">
-            <a:schemeClr val="accent1"/>
-          </a:fillRef>
-          <a:effectRef idx="2">
-            <a:schemeClr val="accent1"/>
-          </a:effectRef>
-          <a:fontRef idx="minor">
-            <a:schemeClr val="lt1"/>
-          </a:fontRef>
-        </p:style>
-        <p:txBody>
-          <a:bodyPr rtlCol="0" anchor="ctr"/>
-          <a:lstStyle/>
-          <a:p>
-            <a:pPr algn="ctr"/>
-            <a:endParaRPr/>
-          </a:p>
-        </p:txBody>
-      </p:sp>
-      <p:sp>
-        <p:nvSpPr>
-          <p:cNvPr id="5" name="TextBox 4"/>
-          <p:cNvSpPr txBox="1"/>
-          <p:nvPr/>
-        </p:nvSpPr>
-        <p:spPr>
-          <a:xfrm>
-            <a:off x="-127" y="378648"/>
-            <a:ext cx="12188952" cy="1097280"/>
-          </a:xfrm>
-          <a:prstGeom prst="rect">
-            <a:avLst/>
-          </a:prstGeom>
-          <a:noFill/>
-        </p:spPr>
-        <p:txBody>
-          <a:bodyPr wrap="square">
-            <a:spAutoFit/>
-          </a:bodyPr>
-          <a:lstStyle/>
-          <a:p>
-            <a:pPr algn="ctr"/>
-            <a:r>
-              <a:rPr sz="6000" b="1" i="0" dirty="0">
-                <a:solidFill>
-                  <a:srgbClr val="FFFFFF"/>
-                </a:solidFill>
-                <a:latin typeface="Calibri"/>
-              </a:rPr>
-              <a:t>App Demo</a:t>
-            </a:r>
-          </a:p>
-        </p:txBody>
-      </p:sp>
-      <p:sp>
-        <p:nvSpPr>
-          <p:cNvPr id="6" name="TextBox 5"/>
-          <p:cNvSpPr txBox="1"/>
-          <p:nvPr/>
-        </p:nvSpPr>
-        <p:spPr>
-          <a:xfrm>
-            <a:off x="-127" y="1567368"/>
-            <a:ext cx="12188952" cy="548640"/>
-          </a:xfrm>
-          <a:prstGeom prst="rect">
-            <a:avLst/>
-          </a:prstGeom>
-          <a:noFill/>
-        </p:spPr>
-        <p:txBody>
-          <a:bodyPr wrap="square">
-            <a:spAutoFit/>
-          </a:bodyPr>
-          <a:lstStyle/>
-          <a:p>
-            <a:pPr algn="ctr"/>
-            <a:r>
-              <a:rPr sz="2000" b="0" i="0" dirty="0">
-                <a:solidFill>
-                  <a:srgbClr val="FFA726"/>
-                </a:solidFill>
-                <a:latin typeface="Calibri"/>
-              </a:rPr>
-              <a:t>Snap &amp; Cook  —  End-to-End Walkthrough</a:t>
-            </a:r>
-          </a:p>
-        </p:txBody>
-      </p:sp>
-      <p:sp>
-        <p:nvSpPr>
-          <p:cNvPr id="10" name="TextBox 9"/>
-          <p:cNvSpPr txBox="1"/>
-          <p:nvPr/>
-        </p:nvSpPr>
-        <p:spPr>
-          <a:xfrm>
-            <a:off x="-127" y="6355080"/>
-            <a:ext cx="12188952" cy="457200"/>
-          </a:xfrm>
-          <a:prstGeom prst="rect">
-            <a:avLst/>
-          </a:prstGeom>
-          <a:noFill/>
-        </p:spPr>
-        <p:txBody>
-          <a:bodyPr wrap="square">
-            <a:spAutoFit/>
-          </a:bodyPr>
-          <a:lstStyle/>
-          <a:p>
-            <a:pPr algn="ctr"/>
-            <a:r>
-              <a:rPr sz="1400" b="0" i="1">
-                <a:solidFill>
-                  <a:srgbClr val="66BB6A"/>
-                </a:solidFill>
-                <a:latin typeface="Calibri"/>
-              </a:rPr>
-              <a:t>Snap  -&gt;  Detect  -&gt;  Find Recipes  -&gt;  Cook Hands-Free  -&gt;  Save</a:t>
-            </a:r>
-          </a:p>
-        </p:txBody>
-      </p:sp>
-      <p:pic>
-        <p:nvPicPr>
-          <p:cNvPr id="11" name="Online Media 10" title="snap&amp;cook app demo">
-            <a:hlinkClick r:id="" action="ppaction://media"/>
-            <a:extLst>
-              <a:ext uri="{FF2B5EF4-FFF2-40B4-BE49-F238E27FC236}">
-                <a16:creationId xmlns:a16="http://schemas.microsoft.com/office/drawing/2014/main" id="{AAFC0DA6-4B28-FAAF-1BF2-5D8924163950}"/>
-              </a:ext>
-            </a:extLst>
-          </p:cNvPr>
-          <p:cNvPicPr>
-            <a:picLocks noRot="1" noChangeAspect="1"/>
-          </p:cNvPicPr>
-          <p:nvPr>
-            <a:videoFile r:link="rId1"/>
-          </p:nvPr>
-        </p:nvPicPr>
-        <p:blipFill>
-          <a:blip r:embed="rId3"/>
-          <a:stretch>
-            <a:fillRect/>
-          </a:stretch>
-        </p:blipFill>
-        <p:spPr>
-          <a:xfrm>
-            <a:off x="2645372" y="2172568"/>
-            <a:ext cx="6897954" cy="3897353"/>
-          </a:xfrm>
-          <a:prstGeom prst="rect">
-            <a:avLst/>
-          </a:prstGeom>
-        </p:spPr>
-      </p:pic>
-    </p:spTree>
-  </p:cSld>
-  <p:clrMapOvr>
-    <a:masterClrMapping/>
-  </p:clrMapOvr>
-  <p:timing>
-    <p:tnLst>
-      <p:par>
-        <p:cTn id="1" dur="indefinite" restart="never" nodeType="tmRoot">
-          <p:childTnLst>
-            <p:seq concurrent="1" nextAc="seek">
-              <p:cTn id="2" dur="indefinite" nodeType="mainSeq">
-                <p:childTnLst>
-                  <p:par>
-                    <p:cTn id="3" fill="hold">
-                      <p:stCondLst>
-                        <p:cond delay="indefinite"/>
-                      </p:stCondLst>
-                      <p:childTnLst>
-                        <p:par>
-                          <p:cTn id="4" fill="hold">
-                            <p:stCondLst>
-                              <p:cond delay="0"/>
-                            </p:stCondLst>
-                            <p:childTnLst>
-                              <p:par>
-                                <p:cTn id="5" presetID="1" presetClass="mediacall" presetSubtype="0" fill="hold" nodeType="clickEffect">
-                                  <p:stCondLst>
-                                    <p:cond delay="0"/>
-                                  </p:stCondLst>
-                                  <p:childTnLst>
-                                    <p:cmd type="call" cmd="playFrom(0.0)">
-                                      <p:cBhvr>
-                                        <p:cTn id="6" dur="1" fill="hold"/>
-                                        <p:tgtEl>
-                                          <p:spTgt spid="11"/>
-                                        </p:tgtEl>
-                                      </p:cBhvr>
-                                    </p:cmd>
-                                  </p:childTnLst>
-                                </p:cTn>
-                              </p:par>
-                            </p:childTnLst>
-                          </p:cTn>
-                        </p:par>
-                      </p:childTnLst>
-                    </p:cTn>
-                  </p:par>
-                </p:childTnLst>
-              </p:cTn>
-              <p:prevCondLst>
-                <p:cond evt="onPrev" delay="0">
-                  <p:tgtEl>
-                    <p:sldTgt/>
-                  </p:tgtEl>
-                </p:cond>
-              </p:prevCondLst>
-              <p:nextCondLst>
-                <p:cond evt="onNext" delay="0">
-                  <p:tgtEl>
-                    <p:sldTgt/>
-                  </p:tgtEl>
-                </p:cond>
-              </p:nextCondLst>
-            </p:seq>
-            <p:video>
-              <p:cMediaNode vol="80000">
-                <p:cTn id="7" fill="hold" display="0">
-                  <p:stCondLst>
-                    <p:cond delay="indefinite"/>
-                  </p:stCondLst>
-                </p:cTn>
-                <p:tgtEl>
-                  <p:spTgt spid="11"/>
-                </p:tgtEl>
-              </p:cMediaNode>
-            </p:video>
-            <p:seq concurrent="1" nextAc="seek">
-              <p:cTn id="8" restart="whenNotActive" fill="hold" evtFilter="cancelBubble" nodeType="interactiveSeq">
-                <p:stCondLst>
-                  <p:cond evt="onClick" delay="0">
-                    <p:tgtEl>
-                      <p:spTgt spid="11"/>
-                    </p:tgtEl>
-                  </p:cond>
-                </p:stCondLst>
-                <p:endSync evt="end" delay="0">
-                  <p:rtn val="all"/>
-                </p:endSync>
-                <p:childTnLst>
-                  <p:par>
-                    <p:cTn id="9" fill="hold">
-                      <p:stCondLst>
-                        <p:cond delay="0"/>
-                      </p:stCondLst>
-                      <p:childTnLst>
-                        <p:par>
-                          <p:cTn id="10" fill="hold">
-                            <p:stCondLst>
-                              <p:cond delay="0"/>
-                            </p:stCondLst>
-                            <p:childTnLst>
-                              <p:par>
-                                <p:cTn id="11" presetID="2" presetClass="mediacall" presetSubtype="0" fill="hold" nodeType="clickEffect">
-                                  <p:stCondLst>
-                                    <p:cond delay="0"/>
-                                  </p:stCondLst>
-                                  <p:childTnLst>
-                                    <p:cmd type="call" cmd="togglePause">
-                                      <p:cBhvr>
-                                        <p:cTn id="12" dur="1" fill="hold"/>
-                                        <p:tgtEl>
-                                          <p:spTgt spid="11"/>
-                                        </p:tgtEl>
-                                      </p:cBhvr>
-                                    </p:cmd>
-                                  </p:childTnLst>
-                                </p:cTn>
-                              </p:par>
-                            </p:childTnLst>
-                          </p:cTn>
-                        </p:par>
-                      </p:childTnLst>
-                    </p:cTn>
-                  </p:par>
-                </p:childTnLst>
-              </p:cTn>
-              <p:nextCondLst>
-                <p:cond evt="onClick" delay="0">
-                  <p:tgtEl>
-                    <p:spTgt spid="11"/>
-                  </p:tgtEl>
-                </p:cond>
-              </p:nextCondLst>
-            </p:seq>
-          </p:childTnLst>
-        </p:cTn>
-      </p:par>
-    </p:tnLst>
-  </p:timing>
-</p:sld>
-</file>
-
-<file path=ppt/slides/slide12.xml><?xml version="1.0" encoding="utf-8"?>
-<p:sld xmlns:a="http://schemas.openxmlformats.org/drawingml/2006/main" xmlns:r="http://schemas.openxmlformats.org/officeDocument/2006/relationships" xmlns:p="http://schemas.openxmlformats.org/presentationml/2006/main">
-  <p:cSld>
-    <p:spTree>
-      <p:nvGrpSpPr>
-        <p:cNvPr id="1" name=""/>
-        <p:cNvGrpSpPr/>
-        <p:nvPr/>
-      </p:nvGrpSpPr>
-      <p:grpSpPr>
-        <a:xfrm>
-          <a:off x="0" y="0"/>
-          <a:ext cx="0" cy="0"/>
-          <a:chOff x="0" y="0"/>
-          <a:chExt cx="0" cy="0"/>
-        </a:xfrm>
-      </p:grpSpPr>
-      <p:sp>
-        <p:nvSpPr>
-          <p:cNvPr id="2" name="Rectangle 1"/>
-          <p:cNvSpPr/>
-          <p:nvPr/>
-        </p:nvSpPr>
-        <p:spPr>
-          <a:xfrm>
-            <a:off x="0" y="0"/>
-            <a:ext cx="12188952" cy="6858000"/>
-          </a:xfrm>
-          <a:prstGeom prst="rect">
-            <a:avLst/>
-          </a:prstGeom>
-          <a:solidFill>
-            <a:srgbClr val="1B5E20"/>
-          </a:solidFill>
-          <a:ln>
-            <a:noFill/>
-          </a:ln>
-        </p:spPr>
-        <p:style>
-          <a:lnRef idx="1">
-            <a:schemeClr val="accent1"/>
-          </a:lnRef>
-          <a:fillRef idx="3">
-            <a:schemeClr val="accent1"/>
-          </a:fillRef>
-          <a:effectRef idx="2">
-            <a:schemeClr val="accent1"/>
-          </a:effectRef>
-          <a:fontRef idx="minor">
-            <a:schemeClr val="lt1"/>
-          </a:fontRef>
-        </p:style>
-        <p:txBody>
-          <a:bodyPr rtlCol="0" anchor="ctr"/>
-          <a:lstStyle/>
-          <a:p>
-            <a:pPr algn="ctr"/>
-            <a:endParaRPr/>
-          </a:p>
-        </p:txBody>
-      </p:sp>
-      <p:sp>
-        <p:nvSpPr>
-          <p:cNvPr id="3" name="Rectangle 2"/>
-          <p:cNvSpPr/>
-          <p:nvPr/>
-        </p:nvSpPr>
-        <p:spPr>
-          <a:xfrm>
-            <a:off x="0" y="0"/>
-            <a:ext cx="12188952" cy="91440"/>
-          </a:xfrm>
-          <a:prstGeom prst="rect">
-            <a:avLst/>
-          </a:prstGeom>
-          <a:solidFill>
-            <a:srgbClr val="FF6F00"/>
-          </a:solidFill>
-          <a:ln>
-            <a:noFill/>
-          </a:ln>
-        </p:spPr>
-        <p:style>
-          <a:lnRef idx="1">
-            <a:schemeClr val="accent1"/>
-          </a:lnRef>
-          <a:fillRef idx="3">
-            <a:schemeClr val="accent1"/>
-          </a:fillRef>
-          <a:effectRef idx="2">
-            <a:schemeClr val="accent1"/>
-          </a:effectRef>
-          <a:fontRef idx="minor">
-            <a:schemeClr val="lt1"/>
-          </a:fontRef>
-        </p:style>
-        <p:txBody>
-          <a:bodyPr rtlCol="0" anchor="ctr"/>
-          <a:lstStyle/>
-          <a:p>
-            <a:pPr algn="ctr"/>
-            <a:endParaRPr/>
-          </a:p>
-        </p:txBody>
-      </p:sp>
-      <p:sp>
-        <p:nvSpPr>
-          <p:cNvPr id="4" name="Rectangle 3"/>
-          <p:cNvSpPr/>
-          <p:nvPr/>
-        </p:nvSpPr>
-        <p:spPr>
-          <a:xfrm>
-            <a:off x="0" y="6766560"/>
-            <a:ext cx="12188952" cy="91440"/>
-          </a:xfrm>
-          <a:prstGeom prst="rect">
-            <a:avLst/>
-          </a:prstGeom>
-          <a:solidFill>
-            <a:srgbClr val="FF6F00"/>
-          </a:solidFill>
-          <a:ln>
-            <a:noFill/>
-          </a:ln>
-        </p:spPr>
-        <p:style>
-          <a:lnRef idx="1">
-            <a:schemeClr val="accent1"/>
-          </a:lnRef>
-          <a:fillRef idx="3">
-            <a:schemeClr val="accent1"/>
-          </a:fillRef>
-          <a:effectRef idx="2">
-            <a:schemeClr val="accent1"/>
-          </a:effectRef>
-          <a:fontRef idx="minor">
-            <a:schemeClr val="lt1"/>
-          </a:fontRef>
-        </p:style>
-        <p:txBody>
-          <a:bodyPr rtlCol="0" anchor="ctr"/>
-          <a:lstStyle/>
-          <a:p>
-            <a:pPr algn="ctr"/>
-            <a:endParaRPr/>
-          </a:p>
-        </p:txBody>
-      </p:sp>
-      <p:sp>
-        <p:nvSpPr>
-          <p:cNvPr id="5" name="TextBox 4"/>
-          <p:cNvSpPr txBox="1"/>
-          <p:nvPr/>
-        </p:nvSpPr>
-        <p:spPr>
-          <a:xfrm>
-            <a:off x="-127" y="2289069"/>
-            <a:ext cx="12188952" cy="1280160"/>
-          </a:xfrm>
-          <a:prstGeom prst="rect">
-            <a:avLst/>
-          </a:prstGeom>
-          <a:noFill/>
-        </p:spPr>
-        <p:txBody>
-          <a:bodyPr wrap="square">
-            <a:spAutoFit/>
-          </a:bodyPr>
-          <a:lstStyle/>
-          <a:p>
-            <a:pPr algn="ctr"/>
-            <a:r>
-              <a:rPr sz="6000" b="1" i="0" dirty="0">
-                <a:solidFill>
-                  <a:srgbClr val="FFFFFF"/>
-                </a:solidFill>
-                <a:latin typeface="Calibri"/>
-              </a:rPr>
-              <a:t>Thank You</a:t>
-            </a:r>
-          </a:p>
-        </p:txBody>
-      </p:sp>
-      <p:sp>
-        <p:nvSpPr>
-          <p:cNvPr id="19" name="TextBox 18"/>
-          <p:cNvSpPr txBox="1"/>
-          <p:nvPr/>
-        </p:nvSpPr>
-        <p:spPr>
-          <a:xfrm>
-            <a:off x="-127" y="4170998"/>
-            <a:ext cx="12188952" cy="461665"/>
-          </a:xfrm>
-          <a:prstGeom prst="rect">
-            <a:avLst/>
-          </a:prstGeom>
-          <a:noFill/>
-        </p:spPr>
-        <p:txBody>
-          <a:bodyPr wrap="square">
-            <a:spAutoFit/>
-          </a:bodyPr>
-          <a:lstStyle/>
-          <a:p>
-            <a:pPr algn="ctr"/>
-            <a:r>
-              <a:rPr lang="en-SG" sz="2400" dirty="0">
-                <a:solidFill>
-                  <a:schemeClr val="bg1"/>
-                </a:solidFill>
-                <a:hlinkClick r:id="rId2">
-                  <a:extLst>
-                    <a:ext uri="{A12FA001-AC4F-418D-AE19-62706E023703}">
-                      <ahyp:hlinkClr xmlns:ahyp="http://schemas.microsoft.com/office/drawing/2018/hyperlinkcolor" val="tx"/>
-                    </a:ext>
-                  </a:extLst>
-                </a:hlinkClick>
-              </a:rPr>
-              <a:t>GitHub</a:t>
-            </a:r>
-            <a:r>
-              <a:rPr lang="en-SG" sz="2400" dirty="0">
-                <a:solidFill>
-                  <a:schemeClr val="bg1"/>
-                </a:solidFill>
-              </a:rPr>
-              <a:t> &amp; </a:t>
-            </a:r>
-            <a:r>
-              <a:rPr lang="en-SG" sz="2400" dirty="0">
-                <a:solidFill>
-                  <a:schemeClr val="bg1"/>
-                </a:solidFill>
-                <a:hlinkClick r:id="rId3">
-                  <a:extLst>
-                    <a:ext uri="{A12FA001-AC4F-418D-AE19-62706E023703}">
-                      <ahyp:hlinkClr xmlns:ahyp="http://schemas.microsoft.com/office/drawing/2018/hyperlinkcolor" val="tx"/>
-                    </a:ext>
-                  </a:extLst>
-                </a:hlinkClick>
-              </a:rPr>
-              <a:t>App Demo</a:t>
-            </a:r>
-            <a:endParaRPr lang="en-SG" sz="2400" dirty="0">
-              <a:solidFill>
-                <a:schemeClr val="bg1"/>
-              </a:solidFill>
-            </a:endParaRPr>
-          </a:p>
-        </p:txBody>
-      </p:sp>
-    </p:spTree>
-  </p:cSld>
-  <p:clrMapOvr>
-    <a:masterClrMapping/>
-  </p:clrMapOvr>
-</p:sld>
-</file>
-
 <file path=ppt/slides/slide2.xml><?xml version="1.0" encoding="utf-8"?>
 <p:sld xmlns:a="http://schemas.openxmlformats.org/drawingml/2006/main" xmlns:r="http://schemas.openxmlformats.org/officeDocument/2006/relationships" xmlns:p="http://schemas.openxmlformats.org/presentationml/2006/main">
   <p:cSld>
@@ -9150,7 +6814,7 @@
         </p:nvSpPr>
         <p:spPr>
           <a:xfrm>
-            <a:off x="6260528" y="2688336"/>
+            <a:off x="6260528" y="3534371"/>
             <a:ext cx="5580951" cy="274320"/>
           </a:xfrm>
           <a:prstGeom prst="rect">
@@ -9185,7 +6849,7 @@
         </p:nvSpPr>
         <p:spPr>
           <a:xfrm>
-            <a:off x="6260528" y="2962656"/>
+            <a:off x="6260528" y="3808691"/>
             <a:ext cx="5580951" cy="274320"/>
           </a:xfrm>
           <a:prstGeom prst="rect">
@@ -9264,7 +6928,7 @@
         </p:nvSpPr>
         <p:spPr>
           <a:xfrm>
-            <a:off x="6260528" y="3529584"/>
+            <a:off x="6260528" y="2683549"/>
             <a:ext cx="5580951" cy="274320"/>
           </a:xfrm>
           <a:prstGeom prst="rect">
@@ -9280,7 +6944,7 @@
           <a:p>
             <a:pPr algn="l"/>
             <a:r>
-              <a:rPr sz="1400" b="1" i="0">
+              <a:rPr sz="1400" b="1" i="0" dirty="0">
                 <a:solidFill>
                   <a:srgbClr val="1B5E20"/>
                 </a:solidFill>
@@ -9299,7 +6963,7 @@
         </p:nvSpPr>
         <p:spPr>
           <a:xfrm>
-            <a:off x="6260528" y="3803904"/>
+            <a:off x="6260528" y="2957869"/>
             <a:ext cx="5580951" cy="274320"/>
           </a:xfrm>
           <a:prstGeom prst="rect">
@@ -9315,7 +6979,7 @@
           <a:p>
             <a:pPr algn="l"/>
             <a:r>
-              <a:rPr sz="1200" b="0" i="0">
+              <a:rPr sz="1200" b="0" i="0" dirty="0">
                 <a:solidFill>
                   <a:srgbClr val="555555"/>
                 </a:solidFill>
@@ -9697,7 +7361,7 @@
                 </a:solidFill>
                 <a:latin typeface="Calibri"/>
               </a:rPr>
-              <a:t>AI Ingredient Detection</a:t>
+              <a:t>Ingredient Detection</a:t>
             </a:r>
           </a:p>
         </p:txBody>
@@ -9732,7 +7396,7 @@
                 </a:solidFill>
                 <a:latin typeface="Calibri"/>
               </a:rPr>
-              <a:t>Google Gemini 1.5 Flash</a:t>
+              <a:t>Google Gemini 1.5 Flash  +  ML Kit Barcode Scanning</a:t>
             </a:r>
           </a:p>
         </p:txBody>
@@ -9886,152 +7550,14 @@
       </p:pic>
       <p:sp>
         <p:nvSpPr>
-          <p:cNvPr id="10" name="TextBox 9"/>
-          <p:cNvSpPr txBox="1"/>
-          <p:nvPr/>
-        </p:nvSpPr>
-        <p:spPr>
-          <a:xfrm>
-            <a:off x="365760" y="1234440"/>
-            <a:ext cx="8999033" cy="411480"/>
-          </a:xfrm>
-          <a:prstGeom prst="rect">
-            <a:avLst/>
-          </a:prstGeom>
-          <a:noFill/>
-        </p:spPr>
-        <p:txBody>
-          <a:bodyPr wrap="square">
-            <a:spAutoFit/>
-          </a:bodyPr>
-          <a:lstStyle/>
-          <a:p>
-            <a:pPr algn="l"/>
-            <a:r>
-              <a:rPr sz="1900" b="1" i="0">
-                <a:solidFill>
-                  <a:srgbClr val="1B5E20"/>
-                </a:solidFill>
-                <a:latin typeface="Calibri"/>
-              </a:rPr>
-              <a:t>How it works</a:t>
-            </a:r>
-          </a:p>
-        </p:txBody>
-      </p:sp>
-      <p:sp>
-        <p:nvSpPr>
-          <p:cNvPr id="11" name="TextBox 10"/>
-          <p:cNvSpPr txBox="1"/>
-          <p:nvPr/>
-        </p:nvSpPr>
-        <p:spPr>
-          <a:xfrm>
-            <a:off x="365760" y="1737360"/>
-            <a:ext cx="8999033" cy="2377440"/>
-          </a:xfrm>
-          <a:prstGeom prst="rect">
-            <a:avLst/>
-          </a:prstGeom>
-          <a:noFill/>
-        </p:spPr>
-        <p:txBody>
-          <a:bodyPr wrap="square">
-            <a:spAutoFit/>
-          </a:bodyPr>
-          <a:lstStyle/>
-          <a:p>
-            <a:pPr algn="l">
-              <a:spcBef>
-                <a:spcPts val="700"/>
-              </a:spcBef>
-            </a:pPr>
-            <a:r>
-              <a:rPr sz="1500" b="0">
-                <a:solidFill>
-                  <a:srgbClr val="212121"/>
-                </a:solidFill>
-                <a:latin typeface="Calibri"/>
-              </a:rPr>
-              <a:t>1.  Take a photo or choose from gallery</a:t>
-            </a:r>
-          </a:p>
-          <a:p>
-            <a:pPr algn="l">
-              <a:spcBef>
-                <a:spcPts val="700"/>
-              </a:spcBef>
-            </a:pPr>
-            <a:r>
-              <a:rPr sz="1500" b="0">
-                <a:solidFill>
-                  <a:srgbClr val="212121"/>
-                </a:solidFill>
-                <a:latin typeface="Calibri"/>
-              </a:rPr>
-              <a:t>2.  Image sent to Gemini 1.5 Flash (cloud AI)</a:t>
-            </a:r>
-          </a:p>
-          <a:p>
-            <a:pPr algn="l">
-              <a:spcBef>
-                <a:spcPts val="700"/>
-              </a:spcBef>
-            </a:pPr>
-            <a:r>
-              <a:rPr sz="1500" b="0">
-                <a:solidFill>
-                  <a:srgbClr val="212121"/>
-                </a:solidFill>
-                <a:latin typeface="Calibri"/>
-              </a:rPr>
-              <a:t>3.  AI returns a list of specific ingredients</a:t>
-            </a:r>
-          </a:p>
-          <a:p>
-            <a:pPr algn="l">
-              <a:spcBef>
-                <a:spcPts val="700"/>
-              </a:spcBef>
-            </a:pPr>
-            <a:r>
-              <a:rPr sz="1500" b="0">
-                <a:solidFill>
-                  <a:srgbClr val="212121"/>
-                </a:solidFill>
-                <a:latin typeface="Calibri"/>
-              </a:rPr>
-              <a:t>4.  Review, edit, add or remove items</a:t>
-            </a:r>
-          </a:p>
-          <a:p>
-            <a:pPr algn="l">
-              <a:spcBef>
-                <a:spcPts val="700"/>
-              </a:spcBef>
-            </a:pPr>
-            <a:r>
-              <a:rPr sz="1500" b="0">
-                <a:solidFill>
-                  <a:srgbClr val="212121"/>
-                </a:solidFill>
-                <a:latin typeface="Calibri"/>
-              </a:rPr>
-              <a:t>5.  Hit Find Recipes</a:t>
-            </a:r>
-          </a:p>
-        </p:txBody>
-      </p:sp>
-      <p:sp>
-        <p:nvSpPr>
-          <p:cNvPr id="12" name="Rectangle 11"/>
+          <p:cNvPr id="10" name="Rectangle 9"/>
           <p:cNvSpPr/>
           <p:nvPr/>
         </p:nvSpPr>
         <p:spPr>
           <a:xfrm>
-            <a:off x="365760" y="4343400"/>
-            <a:ext cx="8999033" cy="1874519"/>
+            <a:off x="365760" y="1170432"/>
+            <a:ext cx="8999033" cy="2606040"/>
           </a:xfrm>
           <a:prstGeom prst="rect">
             <a:avLst/>
@@ -10070,14 +7596,14 @@
       </p:sp>
       <p:sp>
         <p:nvSpPr>
-          <p:cNvPr id="13" name="TextBox 12"/>
+          <p:cNvPr id="11" name="TextBox 10"/>
           <p:cNvSpPr txBox="1"/>
           <p:nvPr/>
         </p:nvSpPr>
         <p:spPr>
           <a:xfrm>
-            <a:off x="548640" y="4434840"/>
-            <a:ext cx="8724713" cy="347472"/>
+            <a:off x="548640" y="1261872"/>
+            <a:ext cx="8724713" cy="384048"/>
           </a:xfrm>
           <a:prstGeom prst="rect">
             <a:avLst/>
@@ -10092,27 +7618,27 @@
           <a:p>
             <a:pPr algn="l"/>
             <a:r>
-              <a:rPr sz="1300" b="1" i="0">
+              <a:rPr sz="1500" b="1" i="0">
                 <a:solidFill>
                   <a:srgbClr val="1B5E20"/>
                 </a:solidFill>
                 <a:latin typeface="Calibri"/>
               </a:rPr>
-              <a:t>Behind the scenes</a:t>
-            </a:r>
-          </a:p>
-        </p:txBody>
-      </p:sp>
-      <p:sp>
-        <p:nvSpPr>
-          <p:cNvPr id="14" name="TextBox 13"/>
+              <a:t>AI Detection  —  Gemini 1.5 Flash</a:t>
+            </a:r>
+          </a:p>
+        </p:txBody>
+      </p:sp>
+      <p:sp>
+        <p:nvSpPr>
+          <p:cNvPr id="12" name="TextBox 11"/>
           <p:cNvSpPr txBox="1"/>
           <p:nvPr/>
         </p:nvSpPr>
         <p:spPr>
           <a:xfrm>
-            <a:off x="548640" y="4800600"/>
-            <a:ext cx="8724713" cy="1325880"/>
+            <a:off x="548640" y="1691640"/>
+            <a:ext cx="8724713" cy="1920240"/>
           </a:xfrm>
           <a:prstGeom prst="rect">
             <a:avLst/>
@@ -10127,49 +7653,249 @@
           <a:p>
             <a:pPr algn="l">
               <a:spcBef>
-                <a:spcPts val="500"/>
+                <a:spcPts val="600"/>
               </a:spcBef>
             </a:pPr>
             <a:r>
-              <a:rPr sz="1200" b="0">
-                <a:solidFill>
-                  <a:srgbClr val="555555"/>
-                </a:solidFill>
-                <a:latin typeface="Calibri"/>
-              </a:rPr>
-              <a:t>- Prompt bans generic labels (no 'vegetable', 'food')</a:t>
+              <a:rPr sz="1300" b="0">
+                <a:solidFill>
+                  <a:srgbClr val="212121"/>
+                </a:solidFill>
+                <a:latin typeface="Calibri"/>
+              </a:rPr>
+              <a:t>1.  Take a photo or choose from gallery</a:t>
             </a:r>
           </a:p>
           <a:p>
             <a:pPr algn="l">
               <a:spcBef>
-                <a:spcPts val="500"/>
+                <a:spcPts val="600"/>
               </a:spcBef>
             </a:pPr>
             <a:r>
-              <a:rPr sz="1200" b="0">
-                <a:solidFill>
-                  <a:srgbClr val="555555"/>
-                </a:solidFill>
-                <a:latin typeface="Calibri"/>
-              </a:rPr>
-              <a:t>- Multiple photos merged &amp; deduplicated</a:t>
+              <a:rPr sz="1300" b="0">
+                <a:solidFill>
+                  <a:srgbClr val="212121"/>
+                </a:solidFill>
+                <a:latin typeface="Calibri"/>
+              </a:rPr>
+              <a:t>2.  Image sent to Gemini 1.5 Flash</a:t>
             </a:r>
           </a:p>
           <a:p>
             <a:pPr algn="l">
               <a:spcBef>
-                <a:spcPts val="500"/>
+                <a:spcPts val="600"/>
               </a:spcBef>
             </a:pPr>
             <a:r>
-              <a:rPr sz="1200" b="0">
-                <a:solidFill>
-                  <a:srgbClr val="555555"/>
-                </a:solidFill>
-                <a:latin typeface="Calibri"/>
-              </a:rPr>
-              <a:t>- Returns empty list gracefully on failure</a:t>
+              <a:rPr sz="1300" b="0">
+                <a:solidFill>
+                  <a:srgbClr val="212121"/>
+                </a:solidFill>
+                <a:latin typeface="Calibri"/>
+              </a:rPr>
+              <a:t>3.  AI returns specific ingredient names</a:t>
+            </a:r>
+          </a:p>
+          <a:p>
+            <a:pPr algn="l">
+              <a:spcBef>
+                <a:spcPts val="600"/>
+              </a:spcBef>
+            </a:pPr>
+            <a:r>
+              <a:rPr sz="1300" b="0">
+                <a:solidFill>
+                  <a:srgbClr val="212121"/>
+                </a:solidFill>
+                <a:latin typeface="Calibri"/>
+              </a:rPr>
+              <a:t>4.  Review, edit or remove items</a:t>
+            </a:r>
+          </a:p>
+          <a:p>
+            <a:pPr algn="l">
+              <a:spcBef>
+                <a:spcPts val="600"/>
+              </a:spcBef>
+            </a:pPr>
+            <a:r>
+              <a:rPr sz="1300" b="0">
+                <a:solidFill>
+                  <a:srgbClr val="212121"/>
+                </a:solidFill>
+                <a:latin typeface="Calibri"/>
+              </a:rPr>
+              <a:t>5.  Hit Find Recipes</a:t>
+            </a:r>
+          </a:p>
+        </p:txBody>
+      </p:sp>
+      <p:sp>
+        <p:nvSpPr>
+          <p:cNvPr id="13" name="Rectangle 12"/>
+          <p:cNvSpPr/>
+          <p:nvPr/>
+        </p:nvSpPr>
+        <p:spPr>
+          <a:xfrm>
+            <a:off x="365760" y="3913632"/>
+            <a:ext cx="8999033" cy="2331720"/>
+          </a:xfrm>
+          <a:prstGeom prst="rect">
+            <a:avLst/>
+          </a:prstGeom>
+          <a:solidFill>
+            <a:srgbClr val="FFFFFF"/>
+          </a:solidFill>
+          <a:ln w="12700">
+            <a:solidFill>
+              <a:srgbClr val="2E7D32"/>
+            </a:solidFill>
+          </a:ln>
+        </p:spPr>
+        <p:style>
+          <a:lnRef idx="1">
+            <a:schemeClr val="accent1"/>
+          </a:lnRef>
+          <a:fillRef idx="3">
+            <a:schemeClr val="accent1"/>
+          </a:fillRef>
+          <a:effectRef idx="2">
+            <a:schemeClr val="accent1"/>
+          </a:effectRef>
+          <a:fontRef idx="minor">
+            <a:schemeClr val="lt1"/>
+          </a:fontRef>
+        </p:style>
+        <p:txBody>
+          <a:bodyPr rtlCol="0" anchor="ctr"/>
+          <a:lstStyle/>
+          <a:p>
+            <a:pPr algn="ctr"/>
+            <a:endParaRPr/>
+          </a:p>
+        </p:txBody>
+      </p:sp>
+      <p:sp>
+        <p:nvSpPr>
+          <p:cNvPr id="14" name="TextBox 13"/>
+          <p:cNvSpPr txBox="1"/>
+          <p:nvPr/>
+        </p:nvSpPr>
+        <p:spPr>
+          <a:xfrm>
+            <a:off x="548640" y="4005072"/>
+            <a:ext cx="8724713" cy="384048"/>
+          </a:xfrm>
+          <a:prstGeom prst="rect">
+            <a:avLst/>
+          </a:prstGeom>
+          <a:noFill/>
+        </p:spPr>
+        <p:txBody>
+          <a:bodyPr wrap="square">
+            <a:spAutoFit/>
+          </a:bodyPr>
+          <a:lstStyle/>
+          <a:p>
+            <a:pPr algn="l"/>
+            <a:r>
+              <a:rPr sz="1500" b="1" i="0">
+                <a:solidFill>
+                  <a:srgbClr val="1B5E20"/>
+                </a:solidFill>
+                <a:latin typeface="Calibri"/>
+              </a:rPr>
+              <a:t>Barcode Scanning  —  ML Kit</a:t>
+            </a:r>
+          </a:p>
+        </p:txBody>
+      </p:sp>
+      <p:sp>
+        <p:nvSpPr>
+          <p:cNvPr id="15" name="TextBox 14"/>
+          <p:cNvSpPr txBox="1"/>
+          <p:nvPr/>
+        </p:nvSpPr>
+        <p:spPr>
+          <a:xfrm>
+            <a:off x="548640" y="4434840"/>
+            <a:ext cx="8724713" cy="1691640"/>
+          </a:xfrm>
+          <a:prstGeom prst="rect">
+            <a:avLst/>
+          </a:prstGeom>
+          <a:noFill/>
+        </p:spPr>
+        <p:txBody>
+          <a:bodyPr wrap="square">
+            <a:spAutoFit/>
+          </a:bodyPr>
+          <a:lstStyle/>
+          <a:p>
+            <a:pPr algn="l">
+              <a:spcBef>
+                <a:spcPts val="700"/>
+              </a:spcBef>
+            </a:pPr>
+            <a:r>
+              <a:rPr sz="1300" b="0">
+                <a:solidFill>
+                  <a:srgbClr val="212121"/>
+                </a:solidFill>
+                <a:latin typeface="Calibri"/>
+              </a:rPr>
+              <a:t>Scan any packaged product barcode</a:t>
+            </a:r>
+          </a:p>
+          <a:p>
+            <a:pPr algn="l">
+              <a:spcBef>
+                <a:spcPts val="700"/>
+              </a:spcBef>
+            </a:pPr>
+            <a:r>
+              <a:rPr sz="1300" b="0">
+                <a:solidFill>
+                  <a:srgbClr val="212121"/>
+                </a:solidFill>
+                <a:latin typeface="Calibri"/>
+              </a:rPr>
+              <a:t>Open Food Facts resolves product name</a:t>
+            </a:r>
+          </a:p>
+          <a:p>
+            <a:pPr algn="l">
+              <a:spcBef>
+                <a:spcPts val="700"/>
+              </a:spcBef>
+            </a:pPr>
+            <a:r>
+              <a:rPr sz="1300" b="0">
+                <a:solidFill>
+                  <a:srgbClr val="212121"/>
+                </a:solidFill>
+                <a:latin typeface="Calibri"/>
+              </a:rPr>
+              <a:t>Ingredient added to list automatically</a:t>
+            </a:r>
+          </a:p>
+          <a:p>
+            <a:pPr algn="l">
+              <a:spcBef>
+                <a:spcPts val="700"/>
+              </a:spcBef>
+            </a:pPr>
+            <a:r>
+              <a:rPr sz="1300" b="0">
+                <a:solidFill>
+                  <a:srgbClr val="212121"/>
+                </a:solidFill>
+                <a:latin typeface="Calibri"/>
+              </a:rPr>
+              <a:t>Works on EAN / UPC barcodes</a:t>
             </a:r>
           </a:p>
         </p:txBody>
@@ -10548,7 +8274,7 @@
         <p:spPr>
           <a:xfrm>
             <a:off x="3041188" y="1737360"/>
-            <a:ext cx="8827723" cy="3474720"/>
+            <a:ext cx="8827723" cy="2534027"/>
           </a:xfrm>
           <a:prstGeom prst="rect">
             <a:avLst/>
@@ -10561,13 +8287,15 @@
           </a:bodyPr>
           <a:lstStyle/>
           <a:p>
-            <a:pPr algn="l">
+            <a:pPr marL="285750" indent="-285750" algn="l">
               <a:spcBef>
                 <a:spcPts val="800"/>
               </a:spcBef>
+              <a:buFont typeface="Arial" panose="020B0604020202020204" pitchFamily="34" charset="0"/>
+              <a:buChar char="•"/>
             </a:pPr>
             <a:r>
-              <a:rPr sz="1400" b="0">
+              <a:rPr sz="1400" b="0" dirty="0">
                 <a:solidFill>
                   <a:srgbClr val="212121"/>
                 </a:solidFill>
@@ -10577,13 +8305,15 @@
             </a:r>
           </a:p>
           <a:p>
-            <a:pPr algn="l">
+            <a:pPr marL="285750" indent="-285750" algn="l">
               <a:spcBef>
                 <a:spcPts val="800"/>
               </a:spcBef>
+              <a:buFont typeface="Arial" panose="020B0604020202020204" pitchFamily="34" charset="0"/>
+              <a:buChar char="•"/>
             </a:pPr>
             <a:r>
-              <a:rPr sz="1400" b="0">
+              <a:rPr sz="1400" b="0" dirty="0">
                 <a:solidFill>
                   <a:srgbClr val="212121"/>
                 </a:solidFill>
@@ -10593,61 +8323,87 @@
             </a:r>
           </a:p>
           <a:p>
-            <a:pPr algn="l">
+            <a:pPr marL="285750" indent="-285750" algn="l">
               <a:spcBef>
                 <a:spcPts val="800"/>
               </a:spcBef>
+              <a:buFont typeface="Arial" panose="020B0604020202020204" pitchFamily="34" charset="0"/>
+              <a:buChar char="•"/>
             </a:pPr>
             <a:r>
-              <a:rPr sz="1400" b="0">
+              <a:rPr lang="en-US" sz="1400" b="0" dirty="0">
                 <a:solidFill>
                   <a:srgbClr val="212121"/>
                 </a:solidFill>
                 <a:latin typeface="Calibri"/>
               </a:rPr>
-              <a:t>Green checkmark = ingredient you own</a:t>
-            </a:r>
-          </a:p>
-          <a:p>
-            <a:pPr algn="l">
+              <a:t>Green </a:t>
+            </a:r>
+            <a:r>
+              <a:rPr lang="en-US" sz="1400" dirty="0">
+                <a:solidFill>
+                  <a:srgbClr val="212121"/>
+                </a:solidFill>
+                <a:latin typeface="Calibri"/>
+              </a:rPr>
+              <a:t>tick = </a:t>
+            </a:r>
+            <a:r>
+              <a:rPr lang="en-US" sz="1400" b="0" dirty="0">
+                <a:solidFill>
+                  <a:srgbClr val="212121"/>
+                </a:solidFill>
+                <a:latin typeface="Calibri"/>
+              </a:rPr>
+              <a:t>Ingredients you own</a:t>
+            </a:r>
+          </a:p>
+          <a:p>
+            <a:pPr marL="285750" indent="-285750" algn="l">
               <a:spcBef>
                 <a:spcPts val="800"/>
               </a:spcBef>
+              <a:buFont typeface="Arial" panose="020B0604020202020204" pitchFamily="34" charset="0"/>
+              <a:buChar char="•"/>
             </a:pPr>
             <a:r>
-              <a:rPr sz="1400" b="0">
+              <a:rPr lang="en-US" sz="1400" b="0" dirty="0">
                 <a:solidFill>
                   <a:srgbClr val="212121"/>
                 </a:solidFill>
                 <a:latin typeface="Calibri"/>
               </a:rPr>
-              <a:t>Bullet = ingredient you still need to buy</a:t>
-            </a:r>
-          </a:p>
-          <a:p>
-            <a:pPr algn="l">
+              <a:t>Bullet point = Ingredients you still need to buy</a:t>
+            </a:r>
+          </a:p>
+          <a:p>
+            <a:pPr marL="285750" indent="-285750" algn="l">
               <a:spcBef>
                 <a:spcPts val="800"/>
               </a:spcBef>
+              <a:buFont typeface="Arial" panose="020B0604020202020204" pitchFamily="34" charset="0"/>
+              <a:buChar char="•"/>
             </a:pPr>
             <a:r>
-              <a:rPr sz="1400" b="0">
+              <a:rPr sz="1400" b="0" dirty="0">
                 <a:solidFill>
                   <a:srgbClr val="212121"/>
                 </a:solidFill>
                 <a:latin typeface="Calibri"/>
               </a:rPr>
-              <a:t>Cooking time, servings, calories displayed</a:t>
-            </a:r>
-          </a:p>
-          <a:p>
-            <a:pPr algn="l">
+              <a:t>Cooking time, servings, calories</a:t>
+            </a:r>
+          </a:p>
+          <a:p>
+            <a:pPr marL="285750" indent="-285750" algn="l">
               <a:spcBef>
                 <a:spcPts val="800"/>
               </a:spcBef>
+              <a:buFont typeface="Arial" panose="020B0604020202020204" pitchFamily="34" charset="0"/>
+              <a:buChar char="•"/>
             </a:pPr>
             <a:r>
-              <a:rPr sz="1400" b="0">
+              <a:rPr sz="1400" b="0" dirty="0">
                 <a:solidFill>
                   <a:srgbClr val="212121"/>
                 </a:solidFill>
@@ -10657,29 +8413,51 @@
             </a:r>
           </a:p>
           <a:p>
-            <a:pPr algn="l">
+            <a:pPr marL="285750" indent="-285750" algn="l">
               <a:spcBef>
                 <a:spcPts val="800"/>
               </a:spcBef>
+              <a:buFont typeface="Arial" panose="020B0604020202020204" pitchFamily="34" charset="0"/>
+              <a:buChar char="•"/>
             </a:pPr>
             <a:r>
-              <a:rPr sz="1400" b="0">
+              <a:rPr sz="1400" b="0" dirty="0">
                 <a:solidFill>
                   <a:srgbClr val="212121"/>
                 </a:solidFill>
                 <a:latin typeface="Calibri"/>
               </a:rPr>
-              <a:t>Tap image for fullscreen view</a:t>
-            </a:r>
-          </a:p>
-          <a:p>
-            <a:pPr algn="l">
+              <a:t>Tap image for </a:t>
+            </a:r>
+            <a:r>
+              <a:rPr sz="1400" b="0" dirty="0" err="1">
+                <a:solidFill>
+                  <a:srgbClr val="212121"/>
+                </a:solidFill>
+                <a:latin typeface="Calibri"/>
+              </a:rPr>
+              <a:t>fullscreen</a:t>
+            </a:r>
+            <a:r>
+              <a:rPr sz="1400" b="0" dirty="0">
+                <a:solidFill>
+                  <a:srgbClr val="212121"/>
+                </a:solidFill>
+                <a:latin typeface="Calibri"/>
+              </a:rPr>
+              <a:t> view</a:t>
+            </a:r>
+          </a:p>
+          <a:p>
+            <a:pPr marL="285750" indent="-285750" algn="l">
               <a:spcBef>
                 <a:spcPts val="800"/>
               </a:spcBef>
+              <a:buFont typeface="Arial" panose="020B0604020202020204" pitchFamily="34" charset="0"/>
+              <a:buChar char="•"/>
             </a:pPr>
             <a:r>
-              <a:rPr sz="1400" b="0">
+              <a:rPr sz="1400" b="0" dirty="0">
                 <a:solidFill>
                   <a:srgbClr val="212121"/>
                 </a:solidFill>
@@ -11191,7 +8969,7 @@
         <p:spPr>
           <a:xfrm>
             <a:off x="548640" y="1691640"/>
-            <a:ext cx="8723050" cy="1874519"/>
+            <a:ext cx="8723050" cy="1223412"/>
           </a:xfrm>
           <a:prstGeom prst="rect">
             <a:avLst/>
@@ -11204,13 +8982,15 @@
           </a:bodyPr>
           <a:lstStyle/>
           <a:p>
-            <a:pPr algn="l">
+            <a:pPr marL="285750" indent="-285750" algn="l">
               <a:spcBef>
                 <a:spcPts val="700"/>
               </a:spcBef>
+              <a:buFont typeface="Arial" panose="020B0604020202020204" pitchFamily="34" charset="0"/>
+              <a:buChar char="•"/>
             </a:pPr>
             <a:r>
-              <a:rPr sz="1400" b="0">
+              <a:rPr sz="1400" b="0" dirty="0">
                 <a:solidFill>
                   <a:srgbClr val="212121"/>
                 </a:solidFill>
@@ -11220,13 +9000,15 @@
             </a:r>
           </a:p>
           <a:p>
-            <a:pPr algn="l">
+            <a:pPr marL="285750" indent="-285750" algn="l">
               <a:spcBef>
                 <a:spcPts val="700"/>
               </a:spcBef>
+              <a:buFont typeface="Arial" panose="020B0604020202020204" pitchFamily="34" charset="0"/>
+              <a:buChar char="•"/>
             </a:pPr>
             <a:r>
-              <a:rPr sz="1400" b="0">
+              <a:rPr sz="1400" b="0" dirty="0">
                 <a:solidFill>
                   <a:srgbClr val="212121"/>
                 </a:solidFill>
@@ -11236,13 +9018,15 @@
             </a:r>
           </a:p>
           <a:p>
-            <a:pPr algn="l">
+            <a:pPr marL="285750" indent="-285750" algn="l">
               <a:spcBef>
                 <a:spcPts val="700"/>
               </a:spcBef>
+              <a:buFont typeface="Arial" panose="020B0604020202020204" pitchFamily="34" charset="0"/>
+              <a:buChar char="•"/>
             </a:pPr>
             <a:r>
-              <a:rPr sz="1400" b="0">
+              <a:rPr sz="1400" b="0" dirty="0">
                 <a:solidFill>
                   <a:srgbClr val="212121"/>
                 </a:solidFill>
@@ -11252,13 +9036,15 @@
             </a:r>
           </a:p>
           <a:p>
-            <a:pPr algn="l">
+            <a:pPr marL="285750" indent="-285750" algn="l">
               <a:spcBef>
                 <a:spcPts val="700"/>
               </a:spcBef>
+              <a:buFont typeface="Arial" panose="020B0604020202020204" pitchFamily="34" charset="0"/>
+              <a:buChar char="•"/>
             </a:pPr>
             <a:r>
-              <a:rPr sz="1400" b="0">
+              <a:rPr sz="1400" b="0" dirty="0">
                 <a:solidFill>
                   <a:srgbClr val="212121"/>
                 </a:solidFill>
@@ -11359,7 +9145,7 @@
         <p:spPr>
           <a:xfrm>
             <a:off x="548640" y="4343400"/>
-            <a:ext cx="8723050" cy="1828800"/>
+            <a:ext cx="8723050" cy="1223412"/>
           </a:xfrm>
           <a:prstGeom prst="rect">
             <a:avLst/>
@@ -11372,13 +9158,15 @@
           </a:bodyPr>
           <a:lstStyle/>
           <a:p>
-            <a:pPr algn="l">
+            <a:pPr marL="285750" indent="-285750" algn="l">
               <a:spcBef>
                 <a:spcPts val="700"/>
               </a:spcBef>
+              <a:buFont typeface="Arial" panose="020B0604020202020204" pitchFamily="34" charset="0"/>
+              <a:buChar char="•"/>
             </a:pPr>
             <a:r>
-              <a:rPr sz="1400" b="0">
+              <a:rPr sz="1400" b="0" dirty="0">
                 <a:solidFill>
                   <a:srgbClr val="212121"/>
                 </a:solidFill>
@@ -11388,13 +9176,15 @@
             </a:r>
           </a:p>
           <a:p>
-            <a:pPr algn="l">
+            <a:pPr marL="285750" indent="-285750" algn="l">
               <a:spcBef>
                 <a:spcPts val="700"/>
               </a:spcBef>
+              <a:buFont typeface="Arial" panose="020B0604020202020204" pitchFamily="34" charset="0"/>
+              <a:buChar char="•"/>
             </a:pPr>
             <a:r>
-              <a:rPr sz="1400" b="0">
+              <a:rPr sz="1400" b="0" dirty="0">
                 <a:solidFill>
                   <a:srgbClr val="212121"/>
                 </a:solidFill>
@@ -11404,13 +9194,15 @@
             </a:r>
           </a:p>
           <a:p>
-            <a:pPr algn="l">
+            <a:pPr marL="285750" indent="-285750" algn="l">
               <a:spcBef>
                 <a:spcPts val="700"/>
               </a:spcBef>
+              <a:buFont typeface="Arial" panose="020B0604020202020204" pitchFamily="34" charset="0"/>
+              <a:buChar char="•"/>
             </a:pPr>
             <a:r>
-              <a:rPr sz="1400" b="0">
+              <a:rPr sz="1400" b="0" dirty="0">
                 <a:solidFill>
                   <a:srgbClr val="212121"/>
                 </a:solidFill>
@@ -11420,13 +9212,15 @@
             </a:r>
           </a:p>
           <a:p>
-            <a:pPr algn="l">
+            <a:pPr marL="285750" indent="-285750" algn="l">
               <a:spcBef>
                 <a:spcPts val="700"/>
               </a:spcBef>
+              <a:buFont typeface="Arial" panose="020B0604020202020204" pitchFamily="34" charset="0"/>
+              <a:buChar char="•"/>
             </a:pPr>
             <a:r>
-              <a:rPr sz="1400" b="0">
+              <a:rPr sz="1400" b="0" dirty="0">
                 <a:solidFill>
                   <a:srgbClr val="212121"/>
                 </a:solidFill>
@@ -11580,14 +9374,49 @@
                 </a:solidFill>
                 <a:latin typeface="Calibri"/>
               </a:rPr>
-              <a:t>Barcode Scanning  &amp;  Saved Recipes</a:t>
-            </a:r>
-          </a:p>
-        </p:txBody>
-      </p:sp>
-      <p:sp>
-        <p:nvSpPr>
-          <p:cNvPr id="5" name="Rectangle 4"/>
+              <a:t>Saved Recipes</a:t>
+            </a:r>
+          </a:p>
+        </p:txBody>
+      </p:sp>
+      <p:sp>
+        <p:nvSpPr>
+          <p:cNvPr id="5" name="TextBox 4"/>
+          <p:cNvSpPr txBox="1"/>
+          <p:nvPr/>
+        </p:nvSpPr>
+        <p:spPr>
+          <a:xfrm>
+            <a:off x="347472" y="658368"/>
+            <a:ext cx="10972800" cy="301752"/>
+          </a:xfrm>
+          <a:prstGeom prst="rect">
+            <a:avLst/>
+          </a:prstGeom>
+          <a:noFill/>
+        </p:spPr>
+        <p:txBody>
+          <a:bodyPr wrap="square">
+            <a:spAutoFit/>
+          </a:bodyPr>
+          <a:lstStyle/>
+          <a:p>
+            <a:pPr algn="l"/>
+            <a:r>
+              <a:rPr sz="1300" b="0" i="0">
+                <a:solidFill>
+                  <a:srgbClr val="66BB6A"/>
+                </a:solidFill>
+                <a:latin typeface="Calibri"/>
+              </a:rPr>
+              <a:t>Offline Access  —  Room Database</a:t>
+            </a:r>
+          </a:p>
+        </p:txBody>
+      </p:sp>
+      <p:sp>
+        <p:nvSpPr>
+          <p:cNvPr id="6" name="Rectangle 5"/>
           <p:cNvSpPr/>
           <p:nvPr/>
         </p:nvSpPr>
@@ -11631,7 +9460,7 @@
       </p:sp>
       <p:sp>
         <p:nvSpPr>
-          <p:cNvPr id="6" name="TextBox 5"/>
+          <p:cNvPr id="7" name="TextBox 6"/>
           <p:cNvSpPr txBox="1"/>
           <p:nvPr/>
         </p:nvSpPr>
@@ -11666,13 +9495,13 @@
       </p:sp>
       <p:sp>
         <p:nvSpPr>
-          <p:cNvPr id="7" name="Rectangle 6"/>
+          <p:cNvPr id="8" name="Rectangle 7"/>
           <p:cNvSpPr/>
           <p:nvPr/>
         </p:nvSpPr>
         <p:spPr>
           <a:xfrm>
-            <a:off x="9550908" y="1115568"/>
+            <a:off x="265176" y="1115568"/>
             <a:ext cx="2372868" cy="5138928"/>
           </a:xfrm>
           <a:prstGeom prst="rect">
@@ -11710,7 +9539,7 @@
       </p:sp>
       <p:pic>
         <p:nvPicPr>
-          <p:cNvPr id="8" name="Picture 7" descr="Saved Recipes.jpg"/>
+          <p:cNvPr id="9" name="Picture 8" descr="Saved Recipes.jpg"/>
           <p:cNvPicPr>
             <a:picLocks noChangeAspect="1"/>
           </p:cNvPicPr>
@@ -11724,7 +9553,7 @@
         </p:blipFill>
         <p:spPr>
           <a:xfrm>
-            <a:off x="9605772" y="1170432"/>
+            <a:off x="320040" y="1170432"/>
             <a:ext cx="2263140" cy="5029200"/>
           </a:xfrm>
           <a:prstGeom prst="rect">
@@ -11734,14 +9563,180 @@
       </p:pic>
       <p:sp>
         <p:nvSpPr>
-          <p:cNvPr id="9" name="Rectangle 8"/>
+          <p:cNvPr id="10" name="TextBox 9"/>
+          <p:cNvSpPr txBox="1"/>
+          <p:nvPr/>
+        </p:nvSpPr>
+        <p:spPr>
+          <a:xfrm>
+            <a:off x="2948940" y="1234440"/>
+            <a:ext cx="8919972" cy="438912"/>
+          </a:xfrm>
+          <a:prstGeom prst="rect">
+            <a:avLst/>
+          </a:prstGeom>
+          <a:noFill/>
+        </p:spPr>
+        <p:txBody>
+          <a:bodyPr wrap="square">
+            <a:spAutoFit/>
+          </a:bodyPr>
+          <a:lstStyle/>
+          <a:p>
+            <a:pPr algn="l"/>
+            <a:r>
+              <a:rPr sz="1900" b="1" i="0">
+                <a:solidFill>
+                  <a:srgbClr val="1B5E20"/>
+                </a:solidFill>
+                <a:latin typeface="Calibri"/>
+              </a:rPr>
+              <a:t>Your recipes, anytime</a:t>
+            </a:r>
+          </a:p>
+        </p:txBody>
+      </p:sp>
+      <p:sp>
+        <p:nvSpPr>
+          <p:cNvPr id="11" name="TextBox 10"/>
+          <p:cNvSpPr txBox="1"/>
+          <p:nvPr/>
+        </p:nvSpPr>
+        <p:spPr>
+          <a:xfrm>
+            <a:off x="2948940" y="1755648"/>
+            <a:ext cx="8919972" cy="2118529"/>
+          </a:xfrm>
+          <a:prstGeom prst="rect">
+            <a:avLst/>
+          </a:prstGeom>
+          <a:noFill/>
+        </p:spPr>
+        <p:txBody>
+          <a:bodyPr wrap="square">
+            <a:spAutoFit/>
+          </a:bodyPr>
+          <a:lstStyle/>
+          <a:p>
+            <a:pPr marL="285750" indent="-285750" algn="l">
+              <a:spcBef>
+                <a:spcPts val="1000"/>
+              </a:spcBef>
+              <a:buFont typeface="Arial" panose="020B0604020202020204" pitchFamily="34" charset="0"/>
+              <a:buChar char="•"/>
+            </a:pPr>
+            <a:r>
+              <a:rPr sz="1500" b="0" dirty="0">
+                <a:solidFill>
+                  <a:srgbClr val="212121"/>
+                </a:solidFill>
+                <a:latin typeface="Calibri"/>
+              </a:rPr>
+              <a:t>Save any recipe with one tap</a:t>
+            </a:r>
+          </a:p>
+          <a:p>
+            <a:pPr marL="285750" indent="-285750" algn="l">
+              <a:spcBef>
+                <a:spcPts val="1000"/>
+              </a:spcBef>
+              <a:buFont typeface="Arial" panose="020B0604020202020204" pitchFamily="34" charset="0"/>
+              <a:buChar char="•"/>
+            </a:pPr>
+            <a:r>
+              <a:rPr sz="1500" b="0" dirty="0">
+                <a:solidFill>
+                  <a:srgbClr val="212121"/>
+                </a:solidFill>
+                <a:latin typeface="Calibri"/>
+              </a:rPr>
+              <a:t>Stored locally — no internet needed</a:t>
+            </a:r>
+          </a:p>
+          <a:p>
+            <a:pPr marL="285750" indent="-285750" algn="l">
+              <a:spcBef>
+                <a:spcPts val="1000"/>
+              </a:spcBef>
+              <a:buFont typeface="Arial" panose="020B0604020202020204" pitchFamily="34" charset="0"/>
+              <a:buChar char="•"/>
+            </a:pPr>
+            <a:r>
+              <a:rPr sz="1500" b="0" dirty="0">
+                <a:solidFill>
+                  <a:srgbClr val="212121"/>
+                </a:solidFill>
+                <a:latin typeface="Calibri"/>
+              </a:rPr>
+              <a:t>Search through your saved collection</a:t>
+            </a:r>
+          </a:p>
+          <a:p>
+            <a:pPr marL="285750" indent="-285750" algn="l">
+              <a:spcBef>
+                <a:spcPts val="1000"/>
+              </a:spcBef>
+              <a:buFont typeface="Arial" panose="020B0604020202020204" pitchFamily="34" charset="0"/>
+              <a:buChar char="•"/>
+            </a:pPr>
+            <a:r>
+              <a:rPr sz="1500" b="0" dirty="0">
+                <a:solidFill>
+                  <a:srgbClr val="212121"/>
+                </a:solidFill>
+                <a:latin typeface="Calibri"/>
+              </a:rPr>
+              <a:t>Recently saved shown on home screen</a:t>
+            </a:r>
+          </a:p>
+          <a:p>
+            <a:pPr marL="285750" indent="-285750" algn="l">
+              <a:spcBef>
+                <a:spcPts val="1000"/>
+              </a:spcBef>
+              <a:buFont typeface="Arial" panose="020B0604020202020204" pitchFamily="34" charset="0"/>
+              <a:buChar char="•"/>
+            </a:pPr>
+            <a:r>
+              <a:rPr sz="1500" b="0" dirty="0">
+                <a:solidFill>
+                  <a:srgbClr val="212121"/>
+                </a:solidFill>
+                <a:latin typeface="Calibri"/>
+              </a:rPr>
+              <a:t>Tap to view full recipe details</a:t>
+            </a:r>
+          </a:p>
+          <a:p>
+            <a:pPr marL="285750" indent="-285750" algn="l">
+              <a:spcBef>
+                <a:spcPts val="1000"/>
+              </a:spcBef>
+              <a:buFont typeface="Arial" panose="020B0604020202020204" pitchFamily="34" charset="0"/>
+              <a:buChar char="•"/>
+            </a:pPr>
+            <a:r>
+              <a:rPr sz="1500" b="0" dirty="0">
+                <a:solidFill>
+                  <a:srgbClr val="212121"/>
+                </a:solidFill>
+                <a:latin typeface="Calibri"/>
+              </a:rPr>
+              <a:t>Launch directly into Cooking Mode</a:t>
+            </a:r>
+          </a:p>
+        </p:txBody>
+      </p:sp>
+      <p:sp>
+        <p:nvSpPr>
+          <p:cNvPr id="12" name="Rectangle 11"/>
           <p:cNvSpPr/>
           <p:nvPr/>
         </p:nvSpPr>
         <p:spPr>
           <a:xfrm>
-            <a:off x="365760" y="1170432"/>
-            <a:ext cx="9102852" cy="2514600"/>
+            <a:off x="2948940" y="5166360"/>
+            <a:ext cx="8919972" cy="1051560"/>
           </a:xfrm>
           <a:prstGeom prst="rect">
             <a:avLst/>
@@ -11780,14 +9775,14 @@
       </p:sp>
       <p:sp>
         <p:nvSpPr>
-          <p:cNvPr id="10" name="TextBox 9"/>
+          <p:cNvPr id="13" name="TextBox 12"/>
           <p:cNvSpPr txBox="1"/>
           <p:nvPr/>
         </p:nvSpPr>
         <p:spPr>
           <a:xfrm>
-            <a:off x="548640" y="1261872"/>
-            <a:ext cx="8828532" cy="384048"/>
+            <a:off x="3131820" y="5239512"/>
+            <a:ext cx="8645652" cy="320040"/>
           </a:xfrm>
           <a:prstGeom prst="rect">
             <a:avLst/>
@@ -11802,27 +9797,27 @@
           <a:p>
             <a:pPr algn="l"/>
             <a:r>
-              <a:rPr sz="1600" b="1" i="0">
+              <a:rPr sz="1300" b="1" i="0">
                 <a:solidFill>
                   <a:srgbClr val="1B5E20"/>
                 </a:solidFill>
                 <a:latin typeface="Calibri"/>
               </a:rPr>
-              <a:t>Barcode Scanning</a:t>
-            </a:r>
-          </a:p>
-        </p:txBody>
-      </p:sp>
-      <p:sp>
-        <p:nvSpPr>
-          <p:cNvPr id="11" name="TextBox 10"/>
+              <a:t>How it works</a:t>
+            </a:r>
+          </a:p>
+        </p:txBody>
+      </p:sp>
+      <p:sp>
+        <p:nvSpPr>
+          <p:cNvPr id="14" name="TextBox 13"/>
           <p:cNvSpPr txBox="1"/>
           <p:nvPr/>
         </p:nvSpPr>
         <p:spPr>
           <a:xfrm>
-            <a:off x="548640" y="1691640"/>
-            <a:ext cx="8828532" cy="1874519"/>
+            <a:off x="3131820" y="5577840"/>
+            <a:ext cx="8645652" cy="566928"/>
           </a:xfrm>
           <a:prstGeom prst="rect">
             <a:avLst/>
@@ -11835,235 +9830,15 @@
           </a:bodyPr>
           <a:lstStyle/>
           <a:p>
-            <a:pPr algn="l">
-              <a:spcBef>
-                <a:spcPts val="700"/>
-              </a:spcBef>
-            </a:pPr>
-            <a:r>
-              <a:rPr sz="1400" b="0">
-                <a:solidFill>
-                  <a:srgbClr val="212121"/>
-                </a:solidFill>
-                <a:latin typeface="Calibri"/>
-              </a:rPr>
-              <a:t>ML Kit scans barcode via camera</a:t>
-            </a:r>
-          </a:p>
-          <a:p>
-            <a:pPr algn="l">
-              <a:spcBef>
-                <a:spcPts val="700"/>
-              </a:spcBef>
-            </a:pPr>
-            <a:r>
-              <a:rPr sz="1400" b="0">
-                <a:solidFill>
-                  <a:srgbClr val="212121"/>
-                </a:solidFill>
-                <a:latin typeface="Calibri"/>
-              </a:rPr>
-              <a:t>Open Food Facts resolves product name</a:t>
-            </a:r>
-          </a:p>
-          <a:p>
-            <a:pPr algn="l">
-              <a:spcBef>
-                <a:spcPts val="700"/>
-              </a:spcBef>
-            </a:pPr>
-            <a:r>
-              <a:rPr sz="1400" b="0">
-                <a:solidFill>
-                  <a:srgbClr val="212121"/>
-                </a:solidFill>
-                <a:latin typeface="Calibri"/>
-              </a:rPr>
-              <a:t>Ingredient added automatically</a:t>
-            </a:r>
-          </a:p>
-          <a:p>
-            <a:pPr algn="l">
-              <a:spcBef>
-                <a:spcPts val="700"/>
-              </a:spcBef>
-            </a:pPr>
-            <a:r>
-              <a:rPr sz="1400" b="0">
-                <a:solidFill>
-                  <a:srgbClr val="212121"/>
-                </a:solidFill>
-                <a:latin typeface="Calibri"/>
-              </a:rPr>
-              <a:t>Works on EAN/UPC packaged goods</a:t>
-            </a:r>
-          </a:p>
-        </p:txBody>
-      </p:sp>
-      <p:sp>
-        <p:nvSpPr>
-          <p:cNvPr id="12" name="Rectangle 11"/>
-          <p:cNvSpPr/>
-          <p:nvPr/>
-        </p:nvSpPr>
-        <p:spPr>
-          <a:xfrm>
-            <a:off x="365760" y="3822191"/>
-            <a:ext cx="9102852" cy="2423160"/>
-          </a:xfrm>
-          <a:prstGeom prst="rect">
-            <a:avLst/>
-          </a:prstGeom>
-          <a:solidFill>
-            <a:srgbClr val="FFFFFF"/>
-          </a:solidFill>
-          <a:ln w="12700">
-            <a:solidFill>
-              <a:srgbClr val="2E7D32"/>
-            </a:solidFill>
-          </a:ln>
-        </p:spPr>
-        <p:style>
-          <a:lnRef idx="1">
-            <a:schemeClr val="accent1"/>
-          </a:lnRef>
-          <a:fillRef idx="3">
-            <a:schemeClr val="accent1"/>
-          </a:fillRef>
-          <a:effectRef idx="2">
-            <a:schemeClr val="accent1"/>
-          </a:effectRef>
-          <a:fontRef idx="minor">
-            <a:schemeClr val="lt1"/>
-          </a:fontRef>
-        </p:style>
-        <p:txBody>
-          <a:bodyPr rtlCol="0" anchor="ctr"/>
-          <a:lstStyle/>
-          <a:p>
-            <a:pPr algn="ctr"/>
-            <a:endParaRPr/>
-          </a:p>
-        </p:txBody>
-      </p:sp>
-      <p:sp>
-        <p:nvSpPr>
-          <p:cNvPr id="13" name="TextBox 12"/>
-          <p:cNvSpPr txBox="1"/>
-          <p:nvPr/>
-        </p:nvSpPr>
-        <p:spPr>
-          <a:xfrm>
-            <a:off x="548640" y="3913632"/>
-            <a:ext cx="8828532" cy="384048"/>
-          </a:xfrm>
-          <a:prstGeom prst="rect">
-            <a:avLst/>
-          </a:prstGeom>
-          <a:noFill/>
-        </p:spPr>
-        <p:txBody>
-          <a:bodyPr wrap="square">
-            <a:spAutoFit/>
-          </a:bodyPr>
-          <a:lstStyle/>
-          <a:p>
             <a:pPr algn="l"/>
             <a:r>
-              <a:rPr sz="1600" b="1" i="0">
-                <a:solidFill>
-                  <a:srgbClr val="1B5E20"/>
-                </a:solidFill>
-                <a:latin typeface="Calibri"/>
-              </a:rPr>
-              <a:t>Saved Recipes</a:t>
-            </a:r>
-          </a:p>
-        </p:txBody>
-      </p:sp>
-      <p:sp>
-        <p:nvSpPr>
-          <p:cNvPr id="14" name="TextBox 13"/>
-          <p:cNvSpPr txBox="1"/>
-          <p:nvPr/>
-        </p:nvSpPr>
-        <p:spPr>
-          <a:xfrm>
-            <a:off x="548640" y="4343400"/>
-            <a:ext cx="8828532" cy="1828800"/>
-          </a:xfrm>
-          <a:prstGeom prst="rect">
-            <a:avLst/>
-          </a:prstGeom>
-          <a:noFill/>
-        </p:spPr>
-        <p:txBody>
-          <a:bodyPr wrap="square">
-            <a:spAutoFit/>
-          </a:bodyPr>
-          <a:lstStyle/>
-          <a:p>
-            <a:pPr algn="l">
-              <a:spcBef>
-                <a:spcPts val="700"/>
-              </a:spcBef>
-            </a:pPr>
-            <a:r>
-              <a:rPr sz="1400" b="0">
-                <a:solidFill>
-                  <a:srgbClr val="212121"/>
-                </a:solidFill>
-                <a:latin typeface="Calibri"/>
-              </a:rPr>
-              <a:t>Saved to Room (SQLite) — works offline</a:t>
-            </a:r>
-          </a:p>
-          <a:p>
-            <a:pPr algn="l">
-              <a:spcBef>
-                <a:spcPts val="700"/>
-              </a:spcBef>
-            </a:pPr>
-            <a:r>
-              <a:rPr sz="1400" b="0">
-                <a:solidFill>
-                  <a:srgbClr val="212121"/>
-                </a:solidFill>
-                <a:latin typeface="Calibri"/>
-              </a:rPr>
-              <a:t>Search through saved recipes</a:t>
-            </a:r>
-          </a:p>
-          <a:p>
-            <a:pPr algn="l">
-              <a:spcBef>
-                <a:spcPts val="700"/>
-              </a:spcBef>
-            </a:pPr>
-            <a:r>
-              <a:rPr sz="1400" b="0">
-                <a:solidFill>
-                  <a:srgbClr val="212121"/>
-                </a:solidFill>
-                <a:latin typeface="Calibri"/>
-              </a:rPr>
-              <a:t>Recently saved shown on home screen</a:t>
-            </a:r>
-          </a:p>
-          <a:p>
-            <a:pPr algn="l">
-              <a:spcBef>
-                <a:spcPts val="700"/>
-              </a:spcBef>
-            </a:pPr>
-            <a:r>
-              <a:rPr sz="1400" b="0">
-                <a:solidFill>
-                  <a:srgbClr val="212121"/>
-                </a:solidFill>
-                <a:latin typeface="Calibri"/>
-              </a:rPr>
-              <a:t>Tap to open full recipe &amp; cooking mode</a:t>
+              <a:rPr sz="1200" b="0" i="0">
+                <a:solidFill>
+                  <a:srgbClr val="555555"/>
+                </a:solidFill>
+                <a:latin typeface="Calibri"/>
+              </a:rPr>
+              <a:t>Recipes are stored in a Room (SQLite) database using a SavedRecipe entity. Ingredients and steps are JSON-serialised for compact storage.</a:t>
             </a:r>
           </a:p>
         </p:txBody>
@@ -12102,7 +9877,7 @@
         <p:spPr>
           <a:xfrm>
             <a:off x="0" y="0"/>
-            <a:ext cx="12188952" cy="1005840"/>
+            <a:ext cx="12188952" cy="6858000"/>
           </a:xfrm>
           <a:prstGeom prst="rect">
             <a:avLst/>
@@ -12145,350 +9920,8 @@
         </p:nvSpPr>
         <p:spPr>
           <a:xfrm>
-            <a:off x="0" y="1005840"/>
-            <a:ext cx="12188952" cy="64008"/>
-          </a:xfrm>
-          <a:prstGeom prst="rect">
-            <a:avLst/>
-          </a:prstGeom>
-          <a:solidFill>
-            <a:srgbClr val="E64A19"/>
-          </a:solidFill>
-          <a:ln>
-            <a:noFill/>
-          </a:ln>
-        </p:spPr>
-        <p:style>
-          <a:lnRef idx="1">
-            <a:schemeClr val="accent1"/>
-          </a:lnRef>
-          <a:fillRef idx="3">
-            <a:schemeClr val="accent1"/>
-          </a:fillRef>
-          <a:effectRef idx="2">
-            <a:schemeClr val="accent1"/>
-          </a:effectRef>
-          <a:fontRef idx="minor">
-            <a:schemeClr val="lt1"/>
-          </a:fontRef>
-        </p:style>
-        <p:txBody>
-          <a:bodyPr rtlCol="0" anchor="ctr"/>
-          <a:lstStyle/>
-          <a:p>
-            <a:pPr algn="ctr"/>
-            <a:endParaRPr/>
-          </a:p>
-        </p:txBody>
-      </p:sp>
-      <p:sp>
-        <p:nvSpPr>
-          <p:cNvPr id="4" name="TextBox 3"/>
-          <p:cNvSpPr txBox="1"/>
-          <p:nvPr/>
-        </p:nvSpPr>
-        <p:spPr>
-          <a:xfrm>
-            <a:off x="347472" y="91440"/>
-            <a:ext cx="10972800" cy="585216"/>
-          </a:xfrm>
-          <a:prstGeom prst="rect">
-            <a:avLst/>
-          </a:prstGeom>
-          <a:noFill/>
-        </p:spPr>
-        <p:txBody>
-          <a:bodyPr wrap="square">
-            <a:spAutoFit/>
-          </a:bodyPr>
-          <a:lstStyle/>
-          <a:p>
-            <a:pPr algn="l"/>
-            <a:r>
-              <a:rPr sz="2800" b="1" i="0">
-                <a:solidFill>
-                  <a:srgbClr val="FFFFFF"/>
-                </a:solidFill>
-                <a:latin typeface="Calibri"/>
-              </a:rPr>
-              <a:t>Architecture</a:t>
-            </a:r>
-          </a:p>
-        </p:txBody>
-      </p:sp>
-      <p:sp>
-        <p:nvSpPr>
-          <p:cNvPr id="5" name="TextBox 4"/>
-          <p:cNvSpPr txBox="1"/>
-          <p:nvPr/>
-        </p:nvSpPr>
-        <p:spPr>
-          <a:xfrm>
-            <a:off x="347472" y="658368"/>
-            <a:ext cx="10972800" cy="301752"/>
-          </a:xfrm>
-          <a:prstGeom prst="rect">
-            <a:avLst/>
-          </a:prstGeom>
-          <a:noFill/>
-        </p:spPr>
-        <p:txBody>
-          <a:bodyPr wrap="square">
-            <a:spAutoFit/>
-          </a:bodyPr>
-          <a:lstStyle/>
-          <a:p>
-            <a:pPr algn="l"/>
-            <a:r>
-              <a:rPr sz="1300" b="0" i="0">
-                <a:solidFill>
-                  <a:srgbClr val="66BB6A"/>
-                </a:solidFill>
-                <a:latin typeface="Calibri"/>
-              </a:rPr>
-              <a:t>MVVM + Repository Pattern</a:t>
-            </a:r>
-          </a:p>
-        </p:txBody>
-      </p:sp>
-      <p:sp>
-        <p:nvSpPr>
-          <p:cNvPr id="6" name="Rectangle 5"/>
-          <p:cNvSpPr/>
-          <p:nvPr/>
-        </p:nvSpPr>
-        <p:spPr>
-          <a:xfrm>
-            <a:off x="0" y="6556248"/>
-            <a:ext cx="12188952" cy="301752"/>
-          </a:xfrm>
-          <a:prstGeom prst="rect">
-            <a:avLst/>
-          </a:prstGeom>
-          <a:solidFill>
-            <a:srgbClr val="1B5E20"/>
-          </a:solidFill>
-          <a:ln>
-            <a:noFill/>
-          </a:ln>
-        </p:spPr>
-        <p:style>
-          <a:lnRef idx="1">
-            <a:schemeClr val="accent1"/>
-          </a:lnRef>
-          <a:fillRef idx="3">
-            <a:schemeClr val="accent1"/>
-          </a:fillRef>
-          <a:effectRef idx="2">
-            <a:schemeClr val="accent1"/>
-          </a:effectRef>
-          <a:fontRef idx="minor">
-            <a:schemeClr val="lt1"/>
-          </a:fontRef>
-        </p:style>
-        <p:txBody>
-          <a:bodyPr rtlCol="0" anchor="ctr"/>
-          <a:lstStyle/>
-          <a:p>
-            <a:pPr algn="ctr"/>
-            <a:endParaRPr/>
-          </a:p>
-        </p:txBody>
-      </p:sp>
-      <p:sp>
-        <p:nvSpPr>
-          <p:cNvPr id="7" name="TextBox 6"/>
-          <p:cNvSpPr txBox="1"/>
-          <p:nvPr/>
-        </p:nvSpPr>
-        <p:spPr>
-          <a:xfrm>
-            <a:off x="320040" y="6574536"/>
-            <a:ext cx="11430000" cy="246888"/>
-          </a:xfrm>
-          <a:prstGeom prst="rect">
-            <a:avLst/>
-          </a:prstGeom>
-          <a:noFill/>
-        </p:spPr>
-        <p:txBody>
-          <a:bodyPr wrap="square">
-            <a:spAutoFit/>
-          </a:bodyPr>
-          <a:lstStyle/>
-          <a:p>
-            <a:pPr algn="l"/>
-            <a:r>
-              <a:rPr sz="1000" b="0" i="0">
-                <a:solidFill>
-                  <a:srgbClr val="66BB6A"/>
-                </a:solidFill>
-                <a:latin typeface="Calibri"/>
-              </a:rPr>
-              <a:t>Snap &amp; Cook  |  CSD3156 Mobile and Cloud Computing  |  SIT</a:t>
-            </a:r>
-          </a:p>
-        </p:txBody>
-      </p:sp>
-      <p:sp>
-        <p:nvSpPr>
-          <p:cNvPr id="8" name="Rectangle 7"/>
-          <p:cNvSpPr/>
-          <p:nvPr/>
-        </p:nvSpPr>
-        <p:spPr>
-          <a:xfrm>
-            <a:off x="365760" y="1170432"/>
-            <a:ext cx="6766560" cy="822960"/>
-          </a:xfrm>
-          <a:prstGeom prst="rect">
-            <a:avLst/>
-          </a:prstGeom>
-          <a:solidFill>
-            <a:srgbClr val="2E7D32"/>
-          </a:solidFill>
-          <a:ln>
-            <a:noFill/>
-          </a:ln>
-        </p:spPr>
-        <p:style>
-          <a:lnRef idx="1">
-            <a:schemeClr val="accent1"/>
-          </a:lnRef>
-          <a:fillRef idx="3">
-            <a:schemeClr val="accent1"/>
-          </a:fillRef>
-          <a:effectRef idx="2">
-            <a:schemeClr val="accent1"/>
-          </a:effectRef>
-          <a:fontRef idx="minor">
-            <a:schemeClr val="lt1"/>
-          </a:fontRef>
-        </p:style>
-        <p:txBody>
-          <a:bodyPr rtlCol="0" anchor="ctr"/>
-          <a:lstStyle/>
-          <a:p>
-            <a:pPr algn="ctr"/>
-            <a:endParaRPr/>
-          </a:p>
-        </p:txBody>
-      </p:sp>
-      <p:sp>
-        <p:nvSpPr>
-          <p:cNvPr id="9" name="TextBox 8"/>
-          <p:cNvSpPr txBox="1"/>
-          <p:nvPr/>
-        </p:nvSpPr>
-        <p:spPr>
-          <a:xfrm>
-            <a:off x="548640" y="1234440"/>
-            <a:ext cx="2103120" cy="347472"/>
-          </a:xfrm>
-          <a:prstGeom prst="rect">
-            <a:avLst/>
-          </a:prstGeom>
-          <a:noFill/>
-        </p:spPr>
-        <p:txBody>
-          <a:bodyPr wrap="square">
-            <a:spAutoFit/>
-          </a:bodyPr>
-          <a:lstStyle/>
-          <a:p>
-            <a:pPr algn="l"/>
-            <a:r>
-              <a:rPr sz="1300" b="1" i="0">
-                <a:solidFill>
-                  <a:srgbClr val="FFFFFF"/>
-                </a:solidFill>
-                <a:latin typeface="Calibri"/>
-              </a:rPr>
-              <a:t>UI Layer</a:t>
-            </a:r>
-          </a:p>
-        </p:txBody>
-      </p:sp>
-      <p:sp>
-        <p:nvSpPr>
-          <p:cNvPr id="10" name="TextBox 9"/>
-          <p:cNvSpPr txBox="1"/>
-          <p:nvPr/>
-        </p:nvSpPr>
-        <p:spPr>
-          <a:xfrm>
-            <a:off x="2697480" y="1335024"/>
-            <a:ext cx="4389120" cy="493776"/>
-          </a:xfrm>
-          <a:prstGeom prst="rect">
-            <a:avLst/>
-          </a:prstGeom>
-          <a:noFill/>
-        </p:spPr>
-        <p:txBody>
-          <a:bodyPr wrap="square">
-            <a:spAutoFit/>
-          </a:bodyPr>
-          <a:lstStyle/>
-          <a:p>
-            <a:pPr algn="l"/>
-            <a:r>
-              <a:rPr sz="1200" b="0" i="0">
-                <a:solidFill>
-                  <a:srgbClr val="FFFFFF"/>
-                </a:solidFill>
-                <a:latin typeface="Calibri"/>
-              </a:rPr>
-              <a:t>7 Activities  +  5 ViewModels  +  Adapters</a:t>
-            </a:r>
-          </a:p>
-        </p:txBody>
-      </p:sp>
-      <p:sp>
-        <p:nvSpPr>
-          <p:cNvPr id="11" name="TextBox 10"/>
-          <p:cNvSpPr txBox="1"/>
-          <p:nvPr/>
-        </p:nvSpPr>
-        <p:spPr>
-          <a:xfrm>
-            <a:off x="3383280" y="1993392"/>
-            <a:ext cx="457200" cy="274320"/>
-          </a:xfrm>
-          <a:prstGeom prst="rect">
-            <a:avLst/>
-          </a:prstGeom>
-          <a:noFill/>
-        </p:spPr>
-        <p:txBody>
-          <a:bodyPr wrap="square">
-            <a:spAutoFit/>
-          </a:bodyPr>
-          <a:lstStyle/>
-          <a:p>
-            <a:pPr algn="ctr"/>
-            <a:r>
-              <a:rPr sz="1200" b="1" i="0">
-                <a:solidFill>
-                  <a:srgbClr val="FF6F00"/>
-                </a:solidFill>
-                <a:latin typeface="Calibri"/>
-              </a:rPr>
-              <a:t>v</a:t>
-            </a:r>
-          </a:p>
-        </p:txBody>
-      </p:sp>
-      <p:sp>
-        <p:nvSpPr>
-          <p:cNvPr id="12" name="Rectangle 11"/>
-          <p:cNvSpPr/>
-          <p:nvPr/>
-        </p:nvSpPr>
-        <p:spPr>
-          <a:xfrm>
-            <a:off x="365760" y="2121408"/>
-            <a:ext cx="6766560" cy="822960"/>
+            <a:off x="0" y="0"/>
+            <a:ext cx="12188952" cy="91440"/>
           </a:xfrm>
           <a:prstGeom prst="rect">
             <a:avLst/>
@@ -12525,417 +9958,14 @@
       </p:sp>
       <p:sp>
         <p:nvSpPr>
-          <p:cNvPr id="13" name="TextBox 12"/>
-          <p:cNvSpPr txBox="1"/>
-          <p:nvPr/>
-        </p:nvSpPr>
-        <p:spPr>
-          <a:xfrm>
-            <a:off x="548640" y="2185416"/>
-            <a:ext cx="2103120" cy="347472"/>
-          </a:xfrm>
-          <a:prstGeom prst="rect">
-            <a:avLst/>
-          </a:prstGeom>
-          <a:noFill/>
-        </p:spPr>
-        <p:txBody>
-          <a:bodyPr wrap="square">
-            <a:spAutoFit/>
-          </a:bodyPr>
-          <a:lstStyle/>
-          <a:p>
-            <a:pPr algn="l"/>
-            <a:r>
-              <a:rPr sz="1300" b="1" i="0">
-                <a:solidFill>
-                  <a:srgbClr val="FFFFFF"/>
-                </a:solidFill>
-                <a:latin typeface="Calibri"/>
-              </a:rPr>
-              <a:t>Repository</a:t>
-            </a:r>
-          </a:p>
-        </p:txBody>
-      </p:sp>
-      <p:sp>
-        <p:nvSpPr>
-          <p:cNvPr id="14" name="TextBox 13"/>
-          <p:cNvSpPr txBox="1"/>
-          <p:nvPr/>
-        </p:nvSpPr>
-        <p:spPr>
-          <a:xfrm>
-            <a:off x="2697480" y="2286000"/>
-            <a:ext cx="4389120" cy="493776"/>
-          </a:xfrm>
-          <a:prstGeom prst="rect">
-            <a:avLst/>
-          </a:prstGeom>
-          <a:noFill/>
-        </p:spPr>
-        <p:txBody>
-          <a:bodyPr wrap="square">
-            <a:spAutoFit/>
-          </a:bodyPr>
-          <a:lstStyle/>
-          <a:p>
-            <a:pPr algn="l"/>
-            <a:r>
-              <a:rPr sz="1200" b="0" i="0">
-                <a:solidFill>
-                  <a:srgbClr val="FFFFFF"/>
-                </a:solidFill>
-                <a:latin typeface="Calibri"/>
-              </a:rPr>
-              <a:t>RecipeRepository  —  key rotation on HTTP 402</a:t>
-            </a:r>
-          </a:p>
-        </p:txBody>
-      </p:sp>
-      <p:sp>
-        <p:nvSpPr>
-          <p:cNvPr id="15" name="TextBox 14"/>
-          <p:cNvSpPr txBox="1"/>
-          <p:nvPr/>
-        </p:nvSpPr>
-        <p:spPr>
-          <a:xfrm>
-            <a:off x="3383280" y="2944368"/>
-            <a:ext cx="457200" cy="274320"/>
-          </a:xfrm>
-          <a:prstGeom prst="rect">
-            <a:avLst/>
-          </a:prstGeom>
-          <a:noFill/>
-        </p:spPr>
-        <p:txBody>
-          <a:bodyPr wrap="square">
-            <a:spAutoFit/>
-          </a:bodyPr>
-          <a:lstStyle/>
-          <a:p>
-            <a:pPr algn="ctr"/>
-            <a:r>
-              <a:rPr sz="1200" b="1" i="0">
-                <a:solidFill>
-                  <a:srgbClr val="FF6F00"/>
-                </a:solidFill>
-                <a:latin typeface="Calibri"/>
-              </a:rPr>
-              <a:t>v</a:t>
-            </a:r>
-          </a:p>
-        </p:txBody>
-      </p:sp>
-      <p:sp>
-        <p:nvSpPr>
-          <p:cNvPr id="16" name="Rectangle 15"/>
+          <p:cNvPr id="4" name="Rectangle 3"/>
           <p:cNvSpPr/>
           <p:nvPr/>
         </p:nvSpPr>
         <p:spPr>
           <a:xfrm>
-            <a:off x="365760" y="3072384"/>
-            <a:ext cx="6766560" cy="822960"/>
-          </a:xfrm>
-          <a:prstGeom prst="rect">
-            <a:avLst/>
-          </a:prstGeom>
-          <a:solidFill>
-            <a:srgbClr val="1B5E20"/>
-          </a:solidFill>
-          <a:ln>
-            <a:noFill/>
-          </a:ln>
-        </p:spPr>
-        <p:style>
-          <a:lnRef idx="1">
-            <a:schemeClr val="accent1"/>
-          </a:lnRef>
-          <a:fillRef idx="3">
-            <a:schemeClr val="accent1"/>
-          </a:fillRef>
-          <a:effectRef idx="2">
-            <a:schemeClr val="accent1"/>
-          </a:effectRef>
-          <a:fontRef idx="minor">
-            <a:schemeClr val="lt1"/>
-          </a:fontRef>
-        </p:style>
-        <p:txBody>
-          <a:bodyPr rtlCol="0" anchor="ctr"/>
-          <a:lstStyle/>
-          <a:p>
-            <a:pPr algn="ctr"/>
-            <a:endParaRPr/>
-          </a:p>
-        </p:txBody>
-      </p:sp>
-      <p:sp>
-        <p:nvSpPr>
-          <p:cNvPr id="17" name="TextBox 16"/>
-          <p:cNvSpPr txBox="1"/>
-          <p:nvPr/>
-        </p:nvSpPr>
-        <p:spPr>
-          <a:xfrm>
-            <a:off x="548640" y="3136392"/>
-            <a:ext cx="2103120" cy="347472"/>
-          </a:xfrm>
-          <a:prstGeom prst="rect">
-            <a:avLst/>
-          </a:prstGeom>
-          <a:noFill/>
-        </p:spPr>
-        <p:txBody>
-          <a:bodyPr wrap="square">
-            <a:spAutoFit/>
-          </a:bodyPr>
-          <a:lstStyle/>
-          <a:p>
-            <a:pPr algn="l"/>
-            <a:r>
-              <a:rPr sz="1300" b="1" i="0">
-                <a:solidFill>
-                  <a:srgbClr val="FFFFFF"/>
-                </a:solidFill>
-                <a:latin typeface="Calibri"/>
-              </a:rPr>
-              <a:t>Remote APIs</a:t>
-            </a:r>
-          </a:p>
-        </p:txBody>
-      </p:sp>
-      <p:sp>
-        <p:nvSpPr>
-          <p:cNvPr id="18" name="TextBox 17"/>
-          <p:cNvSpPr txBox="1"/>
-          <p:nvPr/>
-        </p:nvSpPr>
-        <p:spPr>
-          <a:xfrm>
-            <a:off x="2697480" y="3236976"/>
-            <a:ext cx="4389120" cy="493776"/>
-          </a:xfrm>
-          <a:prstGeom prst="rect">
-            <a:avLst/>
-          </a:prstGeom>
-          <a:noFill/>
-        </p:spPr>
-        <p:txBody>
-          <a:bodyPr wrap="square">
-            <a:spAutoFit/>
-          </a:bodyPr>
-          <a:lstStyle/>
-          <a:p>
-            <a:pPr algn="l"/>
-            <a:r>
-              <a:rPr sz="1200" b="0" i="0">
-                <a:solidFill>
-                  <a:srgbClr val="FFFFFF"/>
-                </a:solidFill>
-                <a:latin typeface="Calibri"/>
-              </a:rPr>
-              <a:t>Gemini  |  Spoonacular  |  Open Food Facts</a:t>
-            </a:r>
-          </a:p>
-        </p:txBody>
-      </p:sp>
-      <p:sp>
-        <p:nvSpPr>
-          <p:cNvPr id="19" name="TextBox 18"/>
-          <p:cNvSpPr txBox="1"/>
-          <p:nvPr/>
-        </p:nvSpPr>
-        <p:spPr>
-          <a:xfrm>
-            <a:off x="3383280" y="3895344"/>
-            <a:ext cx="457200" cy="274320"/>
-          </a:xfrm>
-          <a:prstGeom prst="rect">
-            <a:avLst/>
-          </a:prstGeom>
-          <a:noFill/>
-        </p:spPr>
-        <p:txBody>
-          <a:bodyPr wrap="square">
-            <a:spAutoFit/>
-          </a:bodyPr>
-          <a:lstStyle/>
-          <a:p>
-            <a:pPr algn="ctr"/>
-            <a:r>
-              <a:rPr sz="1200" b="1" i="0">
-                <a:solidFill>
-                  <a:srgbClr val="FF6F00"/>
-                </a:solidFill>
-                <a:latin typeface="Calibri"/>
-              </a:rPr>
-              <a:t>v</a:t>
-            </a:r>
-          </a:p>
-        </p:txBody>
-      </p:sp>
-      <p:sp>
-        <p:nvSpPr>
-          <p:cNvPr id="20" name="Rectangle 19"/>
-          <p:cNvSpPr/>
-          <p:nvPr/>
-        </p:nvSpPr>
-        <p:spPr>
-          <a:xfrm>
-            <a:off x="365760" y="4023360"/>
-            <a:ext cx="6766560" cy="822960"/>
-          </a:xfrm>
-          <a:prstGeom prst="rect">
-            <a:avLst/>
-          </a:prstGeom>
-          <a:solidFill>
-            <a:srgbClr val="2E7D32"/>
-          </a:solidFill>
-          <a:ln>
-            <a:noFill/>
-          </a:ln>
-        </p:spPr>
-        <p:style>
-          <a:lnRef idx="1">
-            <a:schemeClr val="accent1"/>
-          </a:lnRef>
-          <a:fillRef idx="3">
-            <a:schemeClr val="accent1"/>
-          </a:fillRef>
-          <a:effectRef idx="2">
-            <a:schemeClr val="accent1"/>
-          </a:effectRef>
-          <a:fontRef idx="minor">
-            <a:schemeClr val="lt1"/>
-          </a:fontRef>
-        </p:style>
-        <p:txBody>
-          <a:bodyPr rtlCol="0" anchor="ctr"/>
-          <a:lstStyle/>
-          <a:p>
-            <a:pPr algn="ctr"/>
-            <a:endParaRPr/>
-          </a:p>
-        </p:txBody>
-      </p:sp>
-      <p:sp>
-        <p:nvSpPr>
-          <p:cNvPr id="21" name="TextBox 20"/>
-          <p:cNvSpPr txBox="1"/>
-          <p:nvPr/>
-        </p:nvSpPr>
-        <p:spPr>
-          <a:xfrm>
-            <a:off x="548640" y="4087368"/>
-            <a:ext cx="2103120" cy="347472"/>
-          </a:xfrm>
-          <a:prstGeom prst="rect">
-            <a:avLst/>
-          </a:prstGeom>
-          <a:noFill/>
-        </p:spPr>
-        <p:txBody>
-          <a:bodyPr wrap="square">
-            <a:spAutoFit/>
-          </a:bodyPr>
-          <a:lstStyle/>
-          <a:p>
-            <a:pPr algn="l"/>
-            <a:r>
-              <a:rPr sz="1300" b="1" i="0">
-                <a:solidFill>
-                  <a:srgbClr val="FFFFFF"/>
-                </a:solidFill>
-                <a:latin typeface="Calibri"/>
-              </a:rPr>
-              <a:t>Room Database</a:t>
-            </a:r>
-          </a:p>
-        </p:txBody>
-      </p:sp>
-      <p:sp>
-        <p:nvSpPr>
-          <p:cNvPr id="22" name="TextBox 21"/>
-          <p:cNvSpPr txBox="1"/>
-          <p:nvPr/>
-        </p:nvSpPr>
-        <p:spPr>
-          <a:xfrm>
-            <a:off x="2697480" y="4187952"/>
-            <a:ext cx="4389120" cy="493776"/>
-          </a:xfrm>
-          <a:prstGeom prst="rect">
-            <a:avLst/>
-          </a:prstGeom>
-          <a:noFill/>
-        </p:spPr>
-        <p:txBody>
-          <a:bodyPr wrap="square">
-            <a:spAutoFit/>
-          </a:bodyPr>
-          <a:lstStyle/>
-          <a:p>
-            <a:pPr algn="l"/>
-            <a:r>
-              <a:rPr sz="1200" b="0" i="0">
-                <a:solidFill>
-                  <a:srgbClr val="FFFFFF"/>
-                </a:solidFill>
-                <a:latin typeface="Calibri"/>
-              </a:rPr>
-              <a:t>SavedRecipe entity  |  RecipeDao  |  Gson converter</a:t>
-            </a:r>
-          </a:p>
-        </p:txBody>
-      </p:sp>
-      <p:sp>
-        <p:nvSpPr>
-          <p:cNvPr id="23" name="TextBox 22"/>
-          <p:cNvSpPr txBox="1"/>
-          <p:nvPr/>
-        </p:nvSpPr>
-        <p:spPr>
-          <a:xfrm>
-            <a:off x="3383280" y="4846320"/>
-            <a:ext cx="457200" cy="274320"/>
-          </a:xfrm>
-          <a:prstGeom prst="rect">
-            <a:avLst/>
-          </a:prstGeom>
-          <a:noFill/>
-        </p:spPr>
-        <p:txBody>
-          <a:bodyPr wrap="square">
-            <a:spAutoFit/>
-          </a:bodyPr>
-          <a:lstStyle/>
-          <a:p>
-            <a:pPr algn="ctr"/>
-            <a:r>
-              <a:rPr sz="1200" b="1" i="0">
-                <a:solidFill>
-                  <a:srgbClr val="FF6F00"/>
-                </a:solidFill>
-                <a:latin typeface="Calibri"/>
-              </a:rPr>
-              <a:t>v</a:t>
-            </a:r>
-          </a:p>
-        </p:txBody>
-      </p:sp>
-      <p:sp>
-        <p:nvSpPr>
-          <p:cNvPr id="24" name="Rectangle 23"/>
-          <p:cNvSpPr/>
-          <p:nvPr/>
-        </p:nvSpPr>
-        <p:spPr>
-          <a:xfrm>
-            <a:off x="365760" y="4974336"/>
-            <a:ext cx="6766560" cy="822960"/>
+            <a:off x="0" y="6766560"/>
+            <a:ext cx="12188952" cy="91440"/>
           </a:xfrm>
           <a:prstGeom prst="rect">
             <a:avLst/>
@@ -12972,14 +10002,14 @@
       </p:sp>
       <p:sp>
         <p:nvSpPr>
-          <p:cNvPr id="25" name="TextBox 24"/>
+          <p:cNvPr id="5" name="TextBox 4"/>
           <p:cNvSpPr txBox="1"/>
           <p:nvPr/>
         </p:nvSpPr>
         <p:spPr>
           <a:xfrm>
-            <a:off x="548640" y="5038344"/>
-            <a:ext cx="2103120" cy="347472"/>
+            <a:off x="-127" y="2289069"/>
+            <a:ext cx="12188952" cy="1280160"/>
           </a:xfrm>
           <a:prstGeom prst="rect">
             <a:avLst/>
@@ -12992,29 +10022,29 @@
           </a:bodyPr>
           <a:lstStyle/>
           <a:p>
-            <a:pPr algn="l"/>
-            <a:r>
-              <a:rPr sz="1300" b="1" i="0">
+            <a:pPr algn="ctr"/>
+            <a:r>
+              <a:rPr sz="6000" b="1" i="0" dirty="0">
                 <a:solidFill>
                   <a:srgbClr val="FFFFFF"/>
                 </a:solidFill>
                 <a:latin typeface="Calibri"/>
               </a:rPr>
-              <a:t>ML Layer</a:t>
-            </a:r>
-          </a:p>
-        </p:txBody>
-      </p:sp>
-      <p:sp>
-        <p:nvSpPr>
-          <p:cNvPr id="26" name="TextBox 25"/>
+              <a:t>Thank You</a:t>
+            </a:r>
+          </a:p>
+        </p:txBody>
+      </p:sp>
+      <p:sp>
+        <p:nvSpPr>
+          <p:cNvPr id="19" name="TextBox 18"/>
           <p:cNvSpPr txBox="1"/>
           <p:nvPr/>
         </p:nvSpPr>
         <p:spPr>
           <a:xfrm>
-            <a:off x="2697480" y="5138928"/>
-            <a:ext cx="4389120" cy="493776"/>
+            <a:off x="-127" y="4170998"/>
+            <a:ext cx="12188952" cy="461665"/>
           </a:xfrm>
           <a:prstGeom prst="rect">
             <a:avLst/>
@@ -13027,631 +10057,50 @@
           </a:bodyPr>
           <a:lstStyle/>
           <a:p>
-            <a:pPr algn="l"/>
-            <a:r>
-              <a:rPr sz="1200" b="0" i="0">
-                <a:solidFill>
-                  <a:srgbClr val="FFFFFF"/>
-                </a:solidFill>
-                <a:latin typeface="Calibri"/>
-              </a:rPr>
-              <a:t>IngredientDetector  —  Bitmap -&gt; JPEG -&gt; Gemini API</a:t>
-            </a:r>
-          </a:p>
-        </p:txBody>
-      </p:sp>
-      <p:sp>
-        <p:nvSpPr>
-          <p:cNvPr id="27" name="TextBox 26"/>
-          <p:cNvSpPr txBox="1"/>
-          <p:nvPr/>
-        </p:nvSpPr>
-        <p:spPr>
-          <a:xfrm>
-            <a:off x="7498079" y="1170432"/>
-            <a:ext cx="4480560" cy="384048"/>
-          </a:xfrm>
-          <a:prstGeom prst="rect">
-            <a:avLst/>
-          </a:prstGeom>
-          <a:noFill/>
-        </p:spPr>
-        <p:txBody>
-          <a:bodyPr wrap="square">
-            <a:spAutoFit/>
-          </a:bodyPr>
-          <a:lstStyle/>
-          <a:p>
-            <a:pPr algn="l"/>
-            <a:r>
-              <a:rPr sz="1600" b="1" i="0">
-                <a:solidFill>
-                  <a:srgbClr val="1B5E20"/>
-                </a:solidFill>
-                <a:latin typeface="Calibri"/>
-              </a:rPr>
-              <a:t>Key Decisions</a:t>
-            </a:r>
-          </a:p>
-        </p:txBody>
-      </p:sp>
-      <p:sp>
-        <p:nvSpPr>
-          <p:cNvPr id="28" name="Rectangle 27"/>
-          <p:cNvSpPr/>
-          <p:nvPr/>
-        </p:nvSpPr>
-        <p:spPr>
-          <a:xfrm>
-            <a:off x="7498079" y="1627632"/>
-            <a:ext cx="4480560" cy="777240"/>
-          </a:xfrm>
-          <a:prstGeom prst="rect">
-            <a:avLst/>
-          </a:prstGeom>
-          <a:solidFill>
-            <a:srgbClr val="F1F8E9"/>
-          </a:solidFill>
-          <a:ln w="12700">
-            <a:solidFill>
-              <a:srgbClr val="66BB6A"/>
-            </a:solidFill>
-          </a:ln>
-        </p:spPr>
-        <p:style>
-          <a:lnRef idx="1">
-            <a:schemeClr val="accent1"/>
-          </a:lnRef>
-          <a:fillRef idx="3">
-            <a:schemeClr val="accent1"/>
-          </a:fillRef>
-          <a:effectRef idx="2">
-            <a:schemeClr val="accent1"/>
-          </a:effectRef>
-          <a:fontRef idx="minor">
-            <a:schemeClr val="lt1"/>
-          </a:fontRef>
-        </p:style>
-        <p:txBody>
-          <a:bodyPr rtlCol="0" anchor="ctr"/>
-          <a:lstStyle/>
-          <a:p>
             <a:pPr algn="ctr"/>
-            <a:endParaRPr/>
-          </a:p>
-        </p:txBody>
-      </p:sp>
-      <p:sp>
-        <p:nvSpPr>
-          <p:cNvPr id="29" name="TextBox 28"/>
-          <p:cNvSpPr txBox="1"/>
-          <p:nvPr/>
-        </p:nvSpPr>
-        <p:spPr>
-          <a:xfrm>
-            <a:off x="7635240" y="1673352"/>
-            <a:ext cx="4206240" cy="292608"/>
-          </a:xfrm>
-          <a:prstGeom prst="rect">
-            <a:avLst/>
-          </a:prstGeom>
-          <a:noFill/>
-        </p:spPr>
-        <p:txBody>
-          <a:bodyPr wrap="square">
-            <a:spAutoFit/>
-          </a:bodyPr>
-          <a:lstStyle/>
-          <a:p>
-            <a:pPr algn="l"/>
-            <a:r>
-              <a:rPr sz="1300" b="1" i="0">
-                <a:solidFill>
-                  <a:srgbClr val="1B5E20"/>
-                </a:solidFill>
-                <a:latin typeface="Calibri"/>
-              </a:rPr>
-              <a:t>LiveData</a:t>
-            </a:r>
-          </a:p>
-        </p:txBody>
-      </p:sp>
-      <p:sp>
-        <p:nvSpPr>
-          <p:cNvPr id="30" name="TextBox 29"/>
-          <p:cNvSpPr txBox="1"/>
-          <p:nvPr/>
-        </p:nvSpPr>
-        <p:spPr>
-          <a:xfrm>
-            <a:off x="7635240" y="1965960"/>
-            <a:ext cx="4206240" cy="347472"/>
-          </a:xfrm>
-          <a:prstGeom prst="rect">
-            <a:avLst/>
-          </a:prstGeom>
-          <a:noFill/>
-        </p:spPr>
-        <p:txBody>
-          <a:bodyPr wrap="square">
-            <a:spAutoFit/>
-          </a:bodyPr>
-          <a:lstStyle/>
-          <a:p>
-            <a:pPr algn="l"/>
-            <a:r>
-              <a:rPr sz="1100" b="0" i="0">
-                <a:solidFill>
-                  <a:srgbClr val="555555"/>
-                </a:solidFill>
-                <a:latin typeface="Calibri"/>
-              </a:rPr>
-              <a:t>UI observes data — no polling</a:t>
-            </a:r>
-          </a:p>
-        </p:txBody>
-      </p:sp>
-      <p:sp>
-        <p:nvSpPr>
-          <p:cNvPr id="31" name="Rectangle 30"/>
-          <p:cNvSpPr/>
-          <p:nvPr/>
-        </p:nvSpPr>
-        <p:spPr>
-          <a:xfrm>
-            <a:off x="7498079" y="2478024"/>
-            <a:ext cx="4480560" cy="777240"/>
-          </a:xfrm>
-          <a:prstGeom prst="rect">
-            <a:avLst/>
-          </a:prstGeom>
-          <a:solidFill>
-            <a:srgbClr val="F1F8E9"/>
-          </a:solidFill>
-          <a:ln w="12700">
-            <a:solidFill>
-              <a:srgbClr val="66BB6A"/>
-            </a:solidFill>
-          </a:ln>
-        </p:spPr>
-        <p:style>
-          <a:lnRef idx="1">
-            <a:schemeClr val="accent1"/>
-          </a:lnRef>
-          <a:fillRef idx="3">
-            <a:schemeClr val="accent1"/>
-          </a:fillRef>
-          <a:effectRef idx="2">
-            <a:schemeClr val="accent1"/>
-          </a:effectRef>
-          <a:fontRef idx="minor">
-            <a:schemeClr val="lt1"/>
-          </a:fontRef>
-        </p:style>
-        <p:txBody>
-          <a:bodyPr rtlCol="0" anchor="ctr"/>
-          <a:lstStyle/>
-          <a:p>
-            <a:pPr algn="ctr"/>
-            <a:endParaRPr/>
-          </a:p>
-        </p:txBody>
-      </p:sp>
-      <p:sp>
-        <p:nvSpPr>
-          <p:cNvPr id="32" name="TextBox 31"/>
-          <p:cNvSpPr txBox="1"/>
-          <p:nvPr/>
-        </p:nvSpPr>
-        <p:spPr>
-          <a:xfrm>
-            <a:off x="7635240" y="2523744"/>
-            <a:ext cx="4206240" cy="292608"/>
-          </a:xfrm>
-          <a:prstGeom prst="rect">
-            <a:avLst/>
-          </a:prstGeom>
-          <a:noFill/>
-        </p:spPr>
-        <p:txBody>
-          <a:bodyPr wrap="square">
-            <a:spAutoFit/>
-          </a:bodyPr>
-          <a:lstStyle/>
-          <a:p>
-            <a:pPr algn="l"/>
-            <a:r>
-              <a:rPr sz="1300" b="1" i="0">
-                <a:solidFill>
-                  <a:srgbClr val="1B5E20"/>
-                </a:solidFill>
-                <a:latin typeface="Calibri"/>
-              </a:rPr>
-              <a:t>Coroutines</a:t>
-            </a:r>
-          </a:p>
-        </p:txBody>
-      </p:sp>
-      <p:sp>
-        <p:nvSpPr>
-          <p:cNvPr id="33" name="TextBox 32"/>
-          <p:cNvSpPr txBox="1"/>
-          <p:nvPr/>
-        </p:nvSpPr>
-        <p:spPr>
-          <a:xfrm>
-            <a:off x="7635240" y="2816352"/>
-            <a:ext cx="4206240" cy="347472"/>
-          </a:xfrm>
-          <a:prstGeom prst="rect">
-            <a:avLst/>
-          </a:prstGeom>
-          <a:noFill/>
-        </p:spPr>
-        <p:txBody>
-          <a:bodyPr wrap="square">
-            <a:spAutoFit/>
-          </a:bodyPr>
-          <a:lstStyle/>
-          <a:p>
-            <a:pPr algn="l"/>
-            <a:r>
-              <a:rPr sz="1100" b="0" i="0">
-                <a:solidFill>
-                  <a:srgbClr val="555555"/>
-                </a:solidFill>
-                <a:latin typeface="Calibri"/>
-              </a:rPr>
-              <a:t>Non-blocking I/O on Dispatchers.IO</a:t>
-            </a:r>
-          </a:p>
-        </p:txBody>
-      </p:sp>
-      <p:sp>
-        <p:nvSpPr>
-          <p:cNvPr id="34" name="Rectangle 33"/>
-          <p:cNvSpPr/>
-          <p:nvPr/>
-        </p:nvSpPr>
-        <p:spPr>
-          <a:xfrm>
-            <a:off x="7498079" y="3328416"/>
-            <a:ext cx="4480560" cy="777240"/>
-          </a:xfrm>
-          <a:prstGeom prst="rect">
-            <a:avLst/>
-          </a:prstGeom>
-          <a:solidFill>
-            <a:srgbClr val="F1F8E9"/>
-          </a:solidFill>
-          <a:ln w="12700">
-            <a:solidFill>
-              <a:srgbClr val="66BB6A"/>
-            </a:solidFill>
-          </a:ln>
-        </p:spPr>
-        <p:style>
-          <a:lnRef idx="1">
-            <a:schemeClr val="accent1"/>
-          </a:lnRef>
-          <a:fillRef idx="3">
-            <a:schemeClr val="accent1"/>
-          </a:fillRef>
-          <a:effectRef idx="2">
-            <a:schemeClr val="accent1"/>
-          </a:effectRef>
-          <a:fontRef idx="minor">
-            <a:schemeClr val="lt1"/>
-          </a:fontRef>
-        </p:style>
-        <p:txBody>
-          <a:bodyPr rtlCol="0" anchor="ctr"/>
-          <a:lstStyle/>
-          <a:p>
-            <a:pPr algn="ctr"/>
-            <a:endParaRPr/>
-          </a:p>
-        </p:txBody>
-      </p:sp>
-      <p:sp>
-        <p:nvSpPr>
-          <p:cNvPr id="35" name="TextBox 34"/>
-          <p:cNvSpPr txBox="1"/>
-          <p:nvPr/>
-        </p:nvSpPr>
-        <p:spPr>
-          <a:xfrm>
-            <a:off x="7635240" y="3374136"/>
-            <a:ext cx="4206240" cy="292608"/>
-          </a:xfrm>
-          <a:prstGeom prst="rect">
-            <a:avLst/>
-          </a:prstGeom>
-          <a:noFill/>
-        </p:spPr>
-        <p:txBody>
-          <a:bodyPr wrap="square">
-            <a:spAutoFit/>
-          </a:bodyPr>
-          <a:lstStyle/>
-          <a:p>
-            <a:pPr algn="l"/>
-            <a:r>
-              <a:rPr sz="1300" b="1" i="0">
-                <a:solidFill>
-                  <a:srgbClr val="1B5E20"/>
-                </a:solidFill>
-                <a:latin typeface="Calibri"/>
-              </a:rPr>
-              <a:t>Key Rotation</a:t>
-            </a:r>
-          </a:p>
-        </p:txBody>
-      </p:sp>
-      <p:sp>
-        <p:nvSpPr>
-          <p:cNvPr id="36" name="TextBox 35"/>
-          <p:cNvSpPr txBox="1"/>
-          <p:nvPr/>
-        </p:nvSpPr>
-        <p:spPr>
-          <a:xfrm>
-            <a:off x="7635240" y="3666744"/>
-            <a:ext cx="4206240" cy="347472"/>
-          </a:xfrm>
-          <a:prstGeom prst="rect">
-            <a:avLst/>
-          </a:prstGeom>
-          <a:noFill/>
-        </p:spPr>
-        <p:txBody>
-          <a:bodyPr wrap="square">
-            <a:spAutoFit/>
-          </a:bodyPr>
-          <a:lstStyle/>
-          <a:p>
-            <a:pPr algn="l"/>
-            <a:r>
-              <a:rPr sz="1100" b="0" i="0">
-                <a:solidFill>
-                  <a:srgbClr val="555555"/>
-                </a:solidFill>
-                <a:latin typeface="Calibri"/>
-              </a:rPr>
-              <a:t>N API keys, auto-swap on HTTP 402</a:t>
-            </a:r>
-          </a:p>
-        </p:txBody>
-      </p:sp>
-      <p:sp>
-        <p:nvSpPr>
-          <p:cNvPr id="37" name="Rectangle 36"/>
-          <p:cNvSpPr/>
-          <p:nvPr/>
-        </p:nvSpPr>
-        <p:spPr>
-          <a:xfrm>
-            <a:off x="7498079" y="4178808"/>
-            <a:ext cx="4480560" cy="777240"/>
-          </a:xfrm>
-          <a:prstGeom prst="rect">
-            <a:avLst/>
-          </a:prstGeom>
-          <a:solidFill>
-            <a:srgbClr val="F1F8E9"/>
-          </a:solidFill>
-          <a:ln w="12700">
-            <a:solidFill>
-              <a:srgbClr val="66BB6A"/>
-            </a:solidFill>
-          </a:ln>
-        </p:spPr>
-        <p:style>
-          <a:lnRef idx="1">
-            <a:schemeClr val="accent1"/>
-          </a:lnRef>
-          <a:fillRef idx="3">
-            <a:schemeClr val="accent1"/>
-          </a:fillRef>
-          <a:effectRef idx="2">
-            <a:schemeClr val="accent1"/>
-          </a:effectRef>
-          <a:fontRef idx="minor">
-            <a:schemeClr val="lt1"/>
-          </a:fontRef>
-        </p:style>
-        <p:txBody>
-          <a:bodyPr rtlCol="0" anchor="ctr"/>
-          <a:lstStyle/>
-          <a:p>
-            <a:pPr algn="ctr"/>
-            <a:endParaRPr/>
-          </a:p>
-        </p:txBody>
-      </p:sp>
-      <p:sp>
-        <p:nvSpPr>
-          <p:cNvPr id="38" name="TextBox 37"/>
-          <p:cNvSpPr txBox="1"/>
-          <p:nvPr/>
-        </p:nvSpPr>
-        <p:spPr>
-          <a:xfrm>
-            <a:off x="7635240" y="4224528"/>
-            <a:ext cx="4206240" cy="292608"/>
-          </a:xfrm>
-          <a:prstGeom prst="rect">
-            <a:avLst/>
-          </a:prstGeom>
-          <a:noFill/>
-        </p:spPr>
-        <p:txBody>
-          <a:bodyPr wrap="square">
-            <a:spAutoFit/>
-          </a:bodyPr>
-          <a:lstStyle/>
-          <a:p>
-            <a:pPr algn="l"/>
-            <a:r>
-              <a:rPr sz="1300" b="1" i="0">
-                <a:solidFill>
-                  <a:srgbClr val="1B5E20"/>
-                </a:solidFill>
-                <a:latin typeface="Calibri"/>
-              </a:rPr>
-              <a:t>Singletons</a:t>
-            </a:r>
-          </a:p>
-        </p:txBody>
-      </p:sp>
-      <p:sp>
-        <p:nvSpPr>
-          <p:cNvPr id="39" name="TextBox 38"/>
-          <p:cNvSpPr txBox="1"/>
-          <p:nvPr/>
-        </p:nvSpPr>
-        <p:spPr>
-          <a:xfrm>
-            <a:off x="7635240" y="4517136"/>
-            <a:ext cx="4206240" cy="347472"/>
-          </a:xfrm>
-          <a:prstGeom prst="rect">
-            <a:avLst/>
-          </a:prstGeom>
-          <a:noFill/>
-        </p:spPr>
-        <p:txBody>
-          <a:bodyPr wrap="square">
-            <a:spAutoFit/>
-          </a:bodyPr>
-          <a:lstStyle/>
-          <a:p>
-            <a:pPr algn="l"/>
-            <a:r>
-              <a:rPr sz="1100" b="0" i="0">
-                <a:solidFill>
-                  <a:srgbClr val="555555"/>
-                </a:solidFill>
-                <a:latin typeface="Calibri"/>
-              </a:rPr>
-              <a:t>GeminiClient, RetrofitClient, AppDatabase</a:t>
-            </a:r>
-          </a:p>
-        </p:txBody>
-      </p:sp>
-      <p:sp>
-        <p:nvSpPr>
-          <p:cNvPr id="40" name="Rectangle 39"/>
-          <p:cNvSpPr/>
-          <p:nvPr/>
-        </p:nvSpPr>
-        <p:spPr>
-          <a:xfrm>
-            <a:off x="7498079" y="5029200"/>
-            <a:ext cx="4480560" cy="777240"/>
-          </a:xfrm>
-          <a:prstGeom prst="rect">
-            <a:avLst/>
-          </a:prstGeom>
-          <a:solidFill>
-            <a:srgbClr val="F1F8E9"/>
-          </a:solidFill>
-          <a:ln w="12700">
-            <a:solidFill>
-              <a:srgbClr val="66BB6A"/>
-            </a:solidFill>
-          </a:ln>
-        </p:spPr>
-        <p:style>
-          <a:lnRef idx="1">
-            <a:schemeClr val="accent1"/>
-          </a:lnRef>
-          <a:fillRef idx="3">
-            <a:schemeClr val="accent1"/>
-          </a:fillRef>
-          <a:effectRef idx="2">
-            <a:schemeClr val="accent1"/>
-          </a:effectRef>
-          <a:fontRef idx="minor">
-            <a:schemeClr val="lt1"/>
-          </a:fontRef>
-        </p:style>
-        <p:txBody>
-          <a:bodyPr rtlCol="0" anchor="ctr"/>
-          <a:lstStyle/>
-          <a:p>
-            <a:pPr algn="ctr"/>
-            <a:endParaRPr/>
-          </a:p>
-        </p:txBody>
-      </p:sp>
-      <p:sp>
-        <p:nvSpPr>
-          <p:cNvPr id="41" name="TextBox 40"/>
-          <p:cNvSpPr txBox="1"/>
-          <p:nvPr/>
-        </p:nvSpPr>
-        <p:spPr>
-          <a:xfrm>
-            <a:off x="7635240" y="5074920"/>
-            <a:ext cx="4206240" cy="292608"/>
-          </a:xfrm>
-          <a:prstGeom prst="rect">
-            <a:avLst/>
-          </a:prstGeom>
-          <a:noFill/>
-        </p:spPr>
-        <p:txBody>
-          <a:bodyPr wrap="square">
-            <a:spAutoFit/>
-          </a:bodyPr>
-          <a:lstStyle/>
-          <a:p>
-            <a:pPr algn="l"/>
-            <a:r>
-              <a:rPr sz="1300" b="1" i="0">
-                <a:solidFill>
-                  <a:srgbClr val="1B5E20"/>
-                </a:solidFill>
-                <a:latin typeface="Calibri"/>
-              </a:rPr>
-              <a:t>ViewBinding</a:t>
-            </a:r>
-          </a:p>
-        </p:txBody>
-      </p:sp>
-      <p:sp>
-        <p:nvSpPr>
-          <p:cNvPr id="42" name="TextBox 41"/>
-          <p:cNvSpPr txBox="1"/>
-          <p:nvPr/>
-        </p:nvSpPr>
-        <p:spPr>
-          <a:xfrm>
-            <a:off x="7635240" y="5367528"/>
-            <a:ext cx="4206240" cy="347472"/>
-          </a:xfrm>
-          <a:prstGeom prst="rect">
-            <a:avLst/>
-          </a:prstGeom>
-          <a:noFill/>
-        </p:spPr>
-        <p:txBody>
-          <a:bodyPr wrap="square">
-            <a:spAutoFit/>
-          </a:bodyPr>
-          <a:lstStyle/>
-          <a:p>
-            <a:pPr algn="l"/>
-            <a:r>
-              <a:rPr sz="1100" b="0" i="0">
-                <a:solidFill>
-                  <a:srgbClr val="555555"/>
-                </a:solidFill>
-                <a:latin typeface="Calibri"/>
-              </a:rPr>
-              <a:t>Type-safe views, no findViewById</a:t>
-            </a:r>
+            <a:r>
+              <a:rPr lang="en-SG" sz="2400" dirty="0">
+                <a:solidFill>
+                  <a:schemeClr val="bg1"/>
+                </a:solidFill>
+                <a:hlinkClick r:id="rId2">
+                  <a:extLst>
+                    <a:ext uri="{A12FA001-AC4F-418D-AE19-62706E023703}">
+                      <ahyp:hlinkClr xmlns:ahyp="http://schemas.microsoft.com/office/drawing/2018/hyperlinkcolor" val="tx"/>
+                    </a:ext>
+                  </a:extLst>
+                </a:hlinkClick>
+              </a:rPr>
+              <a:t>GitHub</a:t>
+            </a:r>
+            <a:r>
+              <a:rPr lang="en-SG" sz="2400" dirty="0">
+                <a:solidFill>
+                  <a:schemeClr val="bg1"/>
+                </a:solidFill>
+              </a:rPr>
+              <a:t> &amp; </a:t>
+            </a:r>
+            <a:r>
+              <a:rPr lang="en-SG" sz="2400" dirty="0">
+                <a:solidFill>
+                  <a:schemeClr val="bg1"/>
+                </a:solidFill>
+                <a:hlinkClick r:id="rId3">
+                  <a:extLst>
+                    <a:ext uri="{A12FA001-AC4F-418D-AE19-62706E023703}">
+                      <ahyp:hlinkClr xmlns:ahyp="http://schemas.microsoft.com/office/drawing/2018/hyperlinkcolor" val="tx"/>
+                    </a:ext>
+                  </a:extLst>
+                </a:hlinkClick>
+              </a:rPr>
+              <a:t>App Demo</a:t>
+            </a:r>
+            <a:endParaRPr lang="en-SG" sz="2400" dirty="0">
+              <a:solidFill>
+                <a:schemeClr val="bg1"/>
+              </a:solidFill>
+            </a:endParaRPr>
           </a:p>
         </p:txBody>
       </p:sp>

--- a/SnapAndCook_Presentation.pptx
+++ b/SnapAndCook_Presentation.pptx
@@ -13,7 +13,8 @@
     <p:sldId id="272" r:id="rId7"/>
     <p:sldId id="262" r:id="rId8"/>
     <p:sldId id="263" r:id="rId9"/>
-    <p:sldId id="267" r:id="rId10"/>
+    <p:sldId id="273" r:id="rId10"/>
+    <p:sldId id="267" r:id="rId11"/>
   </p:sldIdLst>
   <p:sldSz cx="12188825" cy="6858000"/>
   <p:notesSz cx="6858000" cy="9144000"/>
@@ -310,7 +311,7 @@
           <a:p>
             <a:fld id="{5BCAD085-E8A6-8845-BD4E-CB4CCA059FC4}" type="datetimeFigureOut">
               <a:rPr lang="en-US" smtClean="0"/>
-              <a:t>2/23/2026</a:t>
+              <a:t>2/24/2026</a:t>
             </a:fld>
             <a:endParaRPr lang="en-US"/>
           </a:p>
@@ -478,7 +479,7 @@
           <a:p>
             <a:fld id="{5BCAD085-E8A6-8845-BD4E-CB4CCA059FC4}" type="datetimeFigureOut">
               <a:rPr lang="en-US" smtClean="0"/>
-              <a:t>2/23/2026</a:t>
+              <a:t>2/24/2026</a:t>
             </a:fld>
             <a:endParaRPr lang="en-US"/>
           </a:p>
@@ -656,7 +657,7 @@
           <a:p>
             <a:fld id="{5BCAD085-E8A6-8845-BD4E-CB4CCA059FC4}" type="datetimeFigureOut">
               <a:rPr lang="en-US" smtClean="0"/>
-              <a:t>2/23/2026</a:t>
+              <a:t>2/24/2026</a:t>
             </a:fld>
             <a:endParaRPr lang="en-US"/>
           </a:p>
@@ -824,7 +825,7 @@
           <a:p>
             <a:fld id="{5BCAD085-E8A6-8845-BD4E-CB4CCA059FC4}" type="datetimeFigureOut">
               <a:rPr lang="en-US" smtClean="0"/>
-              <a:t>2/23/2026</a:t>
+              <a:t>2/24/2026</a:t>
             </a:fld>
             <a:endParaRPr lang="en-US"/>
           </a:p>
@@ -1069,7 +1070,7 @@
           <a:p>
             <a:fld id="{5BCAD085-E8A6-8845-BD4E-CB4CCA059FC4}" type="datetimeFigureOut">
               <a:rPr lang="en-US" smtClean="0"/>
-              <a:t>2/23/2026</a:t>
+              <a:t>2/24/2026</a:t>
             </a:fld>
             <a:endParaRPr lang="en-US"/>
           </a:p>
@@ -1354,7 +1355,7 @@
           <a:p>
             <a:fld id="{5BCAD085-E8A6-8845-BD4E-CB4CCA059FC4}" type="datetimeFigureOut">
               <a:rPr lang="en-US" smtClean="0"/>
-              <a:t>2/23/2026</a:t>
+              <a:t>2/24/2026</a:t>
             </a:fld>
             <a:endParaRPr lang="en-US"/>
           </a:p>
@@ -1773,7 +1774,7 @@
           <a:p>
             <a:fld id="{5BCAD085-E8A6-8845-BD4E-CB4CCA059FC4}" type="datetimeFigureOut">
               <a:rPr lang="en-US" smtClean="0"/>
-              <a:t>2/23/2026</a:t>
+              <a:t>2/24/2026</a:t>
             </a:fld>
             <a:endParaRPr lang="en-US"/>
           </a:p>
@@ -1890,7 +1891,7 @@
           <a:p>
             <a:fld id="{5BCAD085-E8A6-8845-BD4E-CB4CCA059FC4}" type="datetimeFigureOut">
               <a:rPr lang="en-US" smtClean="0"/>
-              <a:t>2/23/2026</a:t>
+              <a:t>2/24/2026</a:t>
             </a:fld>
             <a:endParaRPr lang="en-US"/>
           </a:p>
@@ -1985,7 +1986,7 @@
           <a:p>
             <a:fld id="{5BCAD085-E8A6-8845-BD4E-CB4CCA059FC4}" type="datetimeFigureOut">
               <a:rPr lang="en-US" smtClean="0"/>
-              <a:t>2/23/2026</a:t>
+              <a:t>2/24/2026</a:t>
             </a:fld>
             <a:endParaRPr lang="en-US"/>
           </a:p>
@@ -2260,7 +2261,7 @@
           <a:p>
             <a:fld id="{5BCAD085-E8A6-8845-BD4E-CB4CCA059FC4}" type="datetimeFigureOut">
               <a:rPr lang="en-US" smtClean="0"/>
-              <a:t>2/23/2026</a:t>
+              <a:t>2/24/2026</a:t>
             </a:fld>
             <a:endParaRPr lang="en-US"/>
           </a:p>
@@ -2512,7 +2513,7 @@
           <a:p>
             <a:fld id="{5BCAD085-E8A6-8845-BD4E-CB4CCA059FC4}" type="datetimeFigureOut">
               <a:rPr lang="en-US" smtClean="0"/>
-              <a:t>2/23/2026</a:t>
+              <a:t>2/24/2026</a:t>
             </a:fld>
             <a:endParaRPr lang="en-US"/>
           </a:p>
@@ -2723,7 +2724,7 @@
           <a:p>
             <a:fld id="{5BCAD085-E8A6-8845-BD4E-CB4CCA059FC4}" type="datetimeFigureOut">
               <a:rPr lang="en-US" smtClean="0"/>
-              <a:t>2/23/2026</a:t>
+              <a:t>2/24/2026</a:t>
             </a:fld>
             <a:endParaRPr lang="en-US"/>
           </a:p>
@@ -3512,6 +3513,267 @@
 </p:sld>
 </file>
 
+<file path=ppt/slides/slide10.xml><?xml version="1.0" encoding="utf-8"?>
+<p:sld xmlns:a="http://schemas.openxmlformats.org/drawingml/2006/main" xmlns:r="http://schemas.openxmlformats.org/officeDocument/2006/relationships" xmlns:p="http://schemas.openxmlformats.org/presentationml/2006/main">
+  <p:cSld>
+    <p:spTree>
+      <p:nvGrpSpPr>
+        <p:cNvPr id="1" name=""/>
+        <p:cNvGrpSpPr/>
+        <p:nvPr/>
+      </p:nvGrpSpPr>
+      <p:grpSpPr>
+        <a:xfrm>
+          <a:off x="0" y="0"/>
+          <a:ext cx="0" cy="0"/>
+          <a:chOff x="0" y="0"/>
+          <a:chExt cx="0" cy="0"/>
+        </a:xfrm>
+      </p:grpSpPr>
+      <p:sp>
+        <p:nvSpPr>
+          <p:cNvPr id="2" name="Rectangle 1"/>
+          <p:cNvSpPr/>
+          <p:nvPr/>
+        </p:nvSpPr>
+        <p:spPr>
+          <a:xfrm>
+            <a:off x="0" y="0"/>
+            <a:ext cx="12188952" cy="6858000"/>
+          </a:xfrm>
+          <a:prstGeom prst="rect">
+            <a:avLst/>
+          </a:prstGeom>
+          <a:solidFill>
+            <a:srgbClr val="1B5E20"/>
+          </a:solidFill>
+          <a:ln>
+            <a:noFill/>
+          </a:ln>
+        </p:spPr>
+        <p:style>
+          <a:lnRef idx="1">
+            <a:schemeClr val="accent1"/>
+          </a:lnRef>
+          <a:fillRef idx="3">
+            <a:schemeClr val="accent1"/>
+          </a:fillRef>
+          <a:effectRef idx="2">
+            <a:schemeClr val="accent1"/>
+          </a:effectRef>
+          <a:fontRef idx="minor">
+            <a:schemeClr val="lt1"/>
+          </a:fontRef>
+        </p:style>
+        <p:txBody>
+          <a:bodyPr rtlCol="0" anchor="ctr"/>
+          <a:lstStyle/>
+          <a:p>
+            <a:pPr algn="ctr"/>
+            <a:endParaRPr/>
+          </a:p>
+        </p:txBody>
+      </p:sp>
+      <p:sp>
+        <p:nvSpPr>
+          <p:cNvPr id="3" name="Rectangle 2"/>
+          <p:cNvSpPr/>
+          <p:nvPr/>
+        </p:nvSpPr>
+        <p:spPr>
+          <a:xfrm>
+            <a:off x="0" y="0"/>
+            <a:ext cx="12188952" cy="91440"/>
+          </a:xfrm>
+          <a:prstGeom prst="rect">
+            <a:avLst/>
+          </a:prstGeom>
+          <a:solidFill>
+            <a:srgbClr val="FF6F00"/>
+          </a:solidFill>
+          <a:ln>
+            <a:noFill/>
+          </a:ln>
+        </p:spPr>
+        <p:style>
+          <a:lnRef idx="1">
+            <a:schemeClr val="accent1"/>
+          </a:lnRef>
+          <a:fillRef idx="3">
+            <a:schemeClr val="accent1"/>
+          </a:fillRef>
+          <a:effectRef idx="2">
+            <a:schemeClr val="accent1"/>
+          </a:effectRef>
+          <a:fontRef idx="minor">
+            <a:schemeClr val="lt1"/>
+          </a:fontRef>
+        </p:style>
+        <p:txBody>
+          <a:bodyPr rtlCol="0" anchor="ctr"/>
+          <a:lstStyle/>
+          <a:p>
+            <a:pPr algn="ctr"/>
+            <a:endParaRPr/>
+          </a:p>
+        </p:txBody>
+      </p:sp>
+      <p:sp>
+        <p:nvSpPr>
+          <p:cNvPr id="4" name="Rectangle 3"/>
+          <p:cNvSpPr/>
+          <p:nvPr/>
+        </p:nvSpPr>
+        <p:spPr>
+          <a:xfrm>
+            <a:off x="0" y="6766560"/>
+            <a:ext cx="12188952" cy="91440"/>
+          </a:xfrm>
+          <a:prstGeom prst="rect">
+            <a:avLst/>
+          </a:prstGeom>
+          <a:solidFill>
+            <a:srgbClr val="FF6F00"/>
+          </a:solidFill>
+          <a:ln>
+            <a:noFill/>
+          </a:ln>
+        </p:spPr>
+        <p:style>
+          <a:lnRef idx="1">
+            <a:schemeClr val="accent1"/>
+          </a:lnRef>
+          <a:fillRef idx="3">
+            <a:schemeClr val="accent1"/>
+          </a:fillRef>
+          <a:effectRef idx="2">
+            <a:schemeClr val="accent1"/>
+          </a:effectRef>
+          <a:fontRef idx="minor">
+            <a:schemeClr val="lt1"/>
+          </a:fontRef>
+        </p:style>
+        <p:txBody>
+          <a:bodyPr rtlCol="0" anchor="ctr"/>
+          <a:lstStyle/>
+          <a:p>
+            <a:pPr algn="ctr"/>
+            <a:endParaRPr/>
+          </a:p>
+        </p:txBody>
+      </p:sp>
+      <p:sp>
+        <p:nvSpPr>
+          <p:cNvPr id="5" name="TextBox 4"/>
+          <p:cNvSpPr txBox="1"/>
+          <p:nvPr/>
+        </p:nvSpPr>
+        <p:spPr>
+          <a:xfrm>
+            <a:off x="-127" y="2289069"/>
+            <a:ext cx="12188952" cy="1280160"/>
+          </a:xfrm>
+          <a:prstGeom prst="rect">
+            <a:avLst/>
+          </a:prstGeom>
+          <a:noFill/>
+        </p:spPr>
+        <p:txBody>
+          <a:bodyPr wrap="square">
+            <a:spAutoFit/>
+          </a:bodyPr>
+          <a:lstStyle/>
+          <a:p>
+            <a:pPr algn="ctr"/>
+            <a:r>
+              <a:rPr sz="6000" b="1" i="0" dirty="0">
+                <a:solidFill>
+                  <a:srgbClr val="FFFFFF"/>
+                </a:solidFill>
+                <a:latin typeface="Calibri"/>
+              </a:rPr>
+              <a:t>Thank You</a:t>
+            </a:r>
+          </a:p>
+        </p:txBody>
+      </p:sp>
+      <p:sp>
+        <p:nvSpPr>
+          <p:cNvPr id="19" name="TextBox 18"/>
+          <p:cNvSpPr txBox="1"/>
+          <p:nvPr/>
+        </p:nvSpPr>
+        <p:spPr>
+          <a:xfrm>
+            <a:off x="-127" y="4170998"/>
+            <a:ext cx="12188952" cy="461665"/>
+          </a:xfrm>
+          <a:prstGeom prst="rect">
+            <a:avLst/>
+          </a:prstGeom>
+          <a:noFill/>
+        </p:spPr>
+        <p:txBody>
+          <a:bodyPr wrap="square">
+            <a:spAutoFit/>
+          </a:bodyPr>
+          <a:lstStyle/>
+          <a:p>
+            <a:pPr algn="ctr"/>
+            <a:r>
+              <a:rPr lang="en-SG" sz="2400" dirty="0">
+                <a:solidFill>
+                  <a:schemeClr val="bg1"/>
+                </a:solidFill>
+                <a:hlinkClick r:id="rId2">
+                  <a:extLst>
+                    <a:ext uri="{A12FA001-AC4F-418D-AE19-62706E023703}">
+                      <ahyp:hlinkClr xmlns:ahyp="http://schemas.microsoft.com/office/drawing/2018/hyperlinkcolor" val="tx"/>
+                    </a:ext>
+                  </a:extLst>
+                </a:hlinkClick>
+              </a:rPr>
+              <a:t>GitHub</a:t>
+            </a:r>
+            <a:r>
+              <a:rPr lang="en-SG" sz="2400" dirty="0">
+                <a:solidFill>
+                  <a:schemeClr val="bg1"/>
+                </a:solidFill>
+              </a:rPr>
+              <a:t> &amp; </a:t>
+            </a:r>
+            <a:r>
+              <a:rPr lang="en-SG" sz="2400" dirty="0">
+                <a:solidFill>
+                  <a:schemeClr val="bg1"/>
+                </a:solidFill>
+                <a:hlinkClick r:id="rId3">
+                  <a:extLst>
+                    <a:ext uri="{A12FA001-AC4F-418D-AE19-62706E023703}">
+                      <ahyp:hlinkClr xmlns:ahyp="http://schemas.microsoft.com/office/drawing/2018/hyperlinkcolor" val="tx"/>
+                    </a:ext>
+                  </a:extLst>
+                </a:hlinkClick>
+              </a:rPr>
+              <a:t>App Demo</a:t>
+            </a:r>
+            <a:endParaRPr lang="en-SG" sz="2400" dirty="0">
+              <a:solidFill>
+                <a:schemeClr val="bg1"/>
+              </a:solidFill>
+            </a:endParaRPr>
+          </a:p>
+        </p:txBody>
+      </p:sp>
+    </p:spTree>
+  </p:cSld>
+  <p:clrMapOvr>
+    <a:masterClrMapping/>
+  </p:clrMapOvr>
+</p:sld>
+</file>
+
 <file path=ppt/slides/slide2.xml><?xml version="1.0" encoding="utf-8"?>
 <p:sld xmlns:a="http://schemas.openxmlformats.org/drawingml/2006/main" xmlns:r="http://schemas.openxmlformats.org/officeDocument/2006/relationships" xmlns:p="http://schemas.openxmlformats.org/presentationml/2006/main">
   <p:cSld>
@@ -9870,7 +10132,13 @@
       </p:grpSpPr>
       <p:sp>
         <p:nvSpPr>
-          <p:cNvPr id="2" name="Rectangle 1"/>
+          <p:cNvPr id="2" name="Rectangle 1">
+            <a:extLst>
+              <a:ext uri="{FF2B5EF4-FFF2-40B4-BE49-F238E27FC236}">
+                <a16:creationId xmlns:a16="http://schemas.microsoft.com/office/drawing/2014/main" id="{BCB43F69-40DA-42DC-14FB-E4F6681E5771}"/>
+              </a:ext>
+            </a:extLst>
+          </p:cNvPr>
           <p:cNvSpPr/>
           <p:nvPr/>
         </p:nvSpPr>
@@ -9914,7 +10182,13 @@
       </p:sp>
       <p:sp>
         <p:nvSpPr>
-          <p:cNvPr id="3" name="Rectangle 2"/>
+          <p:cNvPr id="3" name="Rectangle 2">
+            <a:extLst>
+              <a:ext uri="{FF2B5EF4-FFF2-40B4-BE49-F238E27FC236}">
+                <a16:creationId xmlns:a16="http://schemas.microsoft.com/office/drawing/2014/main" id="{292876A0-1030-B6AA-979E-F6F950AD5C40}"/>
+              </a:ext>
+            </a:extLst>
+          </p:cNvPr>
           <p:cNvSpPr/>
           <p:nvPr/>
         </p:nvSpPr>
@@ -9958,7 +10232,13 @@
       </p:sp>
       <p:sp>
         <p:nvSpPr>
-          <p:cNvPr id="4" name="Rectangle 3"/>
+          <p:cNvPr id="4" name="Rectangle 3">
+            <a:extLst>
+              <a:ext uri="{FF2B5EF4-FFF2-40B4-BE49-F238E27FC236}">
+                <a16:creationId xmlns:a16="http://schemas.microsoft.com/office/drawing/2014/main" id="{AFB9D61C-BBC0-4F3C-81F2-BDC2215F0281}"/>
+              </a:ext>
+            </a:extLst>
+          </p:cNvPr>
           <p:cNvSpPr/>
           <p:nvPr/>
         </p:nvSpPr>
@@ -10002,14 +10282,20 @@
       </p:sp>
       <p:sp>
         <p:nvSpPr>
-          <p:cNvPr id="5" name="TextBox 4"/>
+          <p:cNvPr id="5" name="TextBox 4">
+            <a:extLst>
+              <a:ext uri="{FF2B5EF4-FFF2-40B4-BE49-F238E27FC236}">
+                <a16:creationId xmlns:a16="http://schemas.microsoft.com/office/drawing/2014/main" id="{DC452D29-925F-660D-EA0A-D3BC484C9B9B}"/>
+              </a:ext>
+            </a:extLst>
+          </p:cNvPr>
           <p:cNvSpPr txBox="1"/>
           <p:nvPr/>
         </p:nvSpPr>
         <p:spPr>
           <a:xfrm>
             <a:off x="-127" y="2289069"/>
-            <a:ext cx="12188952" cy="1280160"/>
+            <a:ext cx="12188952" cy="1015663"/>
           </a:xfrm>
           <a:prstGeom prst="rect">
             <a:avLst/>
@@ -10024,87 +10310,29 @@
           <a:p>
             <a:pPr algn="ctr"/>
             <a:r>
-              <a:rPr sz="6000" b="1" i="0" dirty="0">
+              <a:rPr lang="en-SG" sz="6000" b="1" i="0" dirty="0">
                 <a:solidFill>
                   <a:srgbClr val="FFFFFF"/>
                 </a:solidFill>
                 <a:latin typeface="Calibri"/>
               </a:rPr>
-              <a:t>Thank You</a:t>
-            </a:r>
-          </a:p>
-        </p:txBody>
-      </p:sp>
-      <p:sp>
-        <p:nvSpPr>
-          <p:cNvPr id="19" name="TextBox 18"/>
-          <p:cNvSpPr txBox="1"/>
-          <p:nvPr/>
-        </p:nvSpPr>
-        <p:spPr>
-          <a:xfrm>
-            <a:off x="-127" y="4170998"/>
-            <a:ext cx="12188952" cy="461665"/>
-          </a:xfrm>
-          <a:prstGeom prst="rect">
-            <a:avLst/>
-          </a:prstGeom>
-          <a:noFill/>
-        </p:spPr>
-        <p:txBody>
-          <a:bodyPr wrap="square">
-            <a:spAutoFit/>
-          </a:bodyPr>
-          <a:lstStyle/>
-          <a:p>
-            <a:pPr algn="ctr"/>
-            <a:r>
-              <a:rPr lang="en-SG" sz="2400" dirty="0">
-                <a:solidFill>
-                  <a:schemeClr val="bg1"/>
-                </a:solidFill>
-                <a:hlinkClick r:id="rId2">
-                  <a:extLst>
-                    <a:ext uri="{A12FA001-AC4F-418D-AE19-62706E023703}">
-                      <ahyp:hlinkClr xmlns:ahyp="http://schemas.microsoft.com/office/drawing/2018/hyperlinkcolor" val="tx"/>
-                    </a:ext>
-                  </a:extLst>
-                </a:hlinkClick>
-              </a:rPr>
-              <a:t>GitHub</a:t>
-            </a:r>
-            <a:r>
-              <a:rPr lang="en-SG" sz="2400" dirty="0">
-                <a:solidFill>
-                  <a:schemeClr val="bg1"/>
-                </a:solidFill>
-              </a:rPr>
-              <a:t> &amp; </a:t>
-            </a:r>
-            <a:r>
-              <a:rPr lang="en-SG" sz="2400" dirty="0">
-                <a:solidFill>
-                  <a:schemeClr val="bg1"/>
-                </a:solidFill>
-                <a:hlinkClick r:id="rId3">
-                  <a:extLst>
-                    <a:ext uri="{A12FA001-AC4F-418D-AE19-62706E023703}">
-                      <ahyp:hlinkClr xmlns:ahyp="http://schemas.microsoft.com/office/drawing/2018/hyperlinkcolor" val="tx"/>
-                    </a:ext>
-                  </a:extLst>
-                </a:hlinkClick>
-              </a:rPr>
               <a:t>App Demo</a:t>
             </a:r>
-            <a:endParaRPr lang="en-SG" sz="2400" dirty="0">
+            <a:endParaRPr sz="6000" b="1" i="0" dirty="0">
               <a:solidFill>
-                <a:schemeClr val="bg1"/>
+                <a:srgbClr val="FFFFFF"/>
               </a:solidFill>
+              <a:latin typeface="Calibri"/>
             </a:endParaRPr>
           </a:p>
         </p:txBody>
       </p:sp>
     </p:spTree>
+    <p:extLst>
+      <p:ext uri="{BB962C8B-B14F-4D97-AF65-F5344CB8AC3E}">
+        <p14:creationId xmlns:p14="http://schemas.microsoft.com/office/powerpoint/2010/main" val="2803253473"/>
+      </p:ext>
+    </p:extLst>
   </p:cSld>
   <p:clrMapOvr>
     <a:masterClrMapping/>
